--- a/ppt/04-05.pptx
+++ b/ppt/04-05.pptx
@@ -11,6 +11,13 @@
     <p:sldId id="261" r:id="rId5"/>
     <p:sldId id="262" r:id="rId6"/>
     <p:sldId id="263" r:id="rId7"/>
+    <p:sldId id="264" r:id="rId8"/>
+    <p:sldId id="265" r:id="rId9"/>
+    <p:sldId id="266" r:id="rId10"/>
+    <p:sldId id="267" r:id="rId11"/>
+    <p:sldId id="268" r:id="rId12"/>
+    <p:sldId id="271" r:id="rId13"/>
+    <p:sldId id="270" r:id="rId14"/>
   </p:sldIdLst>
   <p:sldSz cx="12192000" cy="6858000"/>
   <p:notesSz cx="6858000" cy="9144000"/>
@@ -3055,6 +3062,474 @@
 </p:sld>
 </file>
 
+<file path=ppt/slides/slide10.xml><?xml version="1.0" encoding="utf-8"?>
+<p:sld xmlns:a="http://schemas.openxmlformats.org/drawingml/2006/main" xmlns:r="http://schemas.openxmlformats.org/officeDocument/2006/relationships" xmlns:p="http://schemas.openxmlformats.org/presentationml/2006/main">
+  <p:cSld>
+    <p:spTree>
+      <p:nvGrpSpPr>
+        <p:cNvPr id="1" name=""/>
+        <p:cNvGrpSpPr/>
+        <p:nvPr/>
+      </p:nvGrpSpPr>
+      <p:grpSpPr>
+        <a:xfrm>
+          <a:off x="0" y="0"/>
+          <a:ext cx="0" cy="0"/>
+          <a:chOff x="0" y="0"/>
+          <a:chExt cx="0" cy="0"/>
+        </a:xfrm>
+      </p:grpSpPr>
+      <p:pic>
+        <p:nvPicPr>
+          <p:cNvPr id="3" name="그림 2"/>
+          <p:cNvPicPr>
+            <a:picLocks noChangeAspect="1"/>
+          </p:cNvPicPr>
+          <p:nvPr/>
+        </p:nvPicPr>
+        <p:blipFill>
+          <a:blip r:embed="rId2"/>
+          <a:stretch>
+            <a:fillRect/>
+          </a:stretch>
+        </p:blipFill>
+        <p:spPr>
+          <a:xfrm>
+            <a:off x="305112" y="621922"/>
+            <a:ext cx="3115110" cy="5410955"/>
+          </a:xfrm>
+          <a:prstGeom prst="rect">
+            <a:avLst/>
+          </a:prstGeom>
+        </p:spPr>
+      </p:pic>
+      <p:pic>
+        <p:nvPicPr>
+          <p:cNvPr id="4" name="그림 3"/>
+          <p:cNvPicPr>
+            <a:picLocks noChangeAspect="1"/>
+          </p:cNvPicPr>
+          <p:nvPr/>
+        </p:nvPicPr>
+        <p:blipFill>
+          <a:blip r:embed="rId3"/>
+          <a:stretch>
+            <a:fillRect/>
+          </a:stretch>
+        </p:blipFill>
+        <p:spPr>
+          <a:xfrm>
+            <a:off x="4971230" y="3854357"/>
+            <a:ext cx="3658111" cy="1333686"/>
+          </a:xfrm>
+          <a:prstGeom prst="rect">
+            <a:avLst/>
+          </a:prstGeom>
+        </p:spPr>
+      </p:pic>
+      <p:cxnSp>
+        <p:nvCxnSpPr>
+          <p:cNvPr id="6" name="직선 연결선 5"/>
+          <p:cNvCxnSpPr/>
+          <p:nvPr/>
+        </p:nvCxnSpPr>
+        <p:spPr>
+          <a:xfrm>
+            <a:off x="5833533" y="4038600"/>
+            <a:ext cx="795867" cy="0"/>
+          </a:xfrm>
+          <a:prstGeom prst="line">
+            <a:avLst/>
+          </a:prstGeom>
+        </p:spPr>
+        <p:style>
+          <a:lnRef idx="3">
+            <a:schemeClr val="accent2"/>
+          </a:lnRef>
+          <a:fillRef idx="0">
+            <a:schemeClr val="accent2"/>
+          </a:fillRef>
+          <a:effectRef idx="2">
+            <a:schemeClr val="accent2"/>
+          </a:effectRef>
+          <a:fontRef idx="minor">
+            <a:schemeClr val="tx1"/>
+          </a:fontRef>
+        </p:style>
+      </p:cxnSp>
+      <p:sp>
+        <p:nvSpPr>
+          <p:cNvPr id="7" name="TextBox 6"/>
+          <p:cNvSpPr txBox="1"/>
+          <p:nvPr/>
+        </p:nvSpPr>
+        <p:spPr>
+          <a:xfrm>
+            <a:off x="4971230" y="5231849"/>
+            <a:ext cx="2347117" cy="415498"/>
+          </a:xfrm>
+          <a:prstGeom prst="rect">
+            <a:avLst/>
+          </a:prstGeom>
+          <a:noFill/>
+        </p:spPr>
+        <p:txBody>
+          <a:bodyPr wrap="none" rtlCol="0">
+            <a:spAutoFit/>
+          </a:bodyPr>
+          <a:lstStyle/>
+          <a:p>
+            <a:pPr>
+              <a:lnSpc>
+                <a:spcPct val="150000"/>
+              </a:lnSpc>
+            </a:pPr>
+            <a:r>
+              <a:rPr lang="en-US" altLang="ko-KR" sz="1400" dirty="0" smtClean="0"/>
+              <a:t>infomation2 </a:t>
+            </a:r>
+            <a:r>
+              <a:rPr lang="ko-KR" altLang="en-US" sz="1400" dirty="0" smtClean="0"/>
+              <a:t>추가했습니다</a:t>
+            </a:r>
+            <a:r>
+              <a:rPr lang="en-US" altLang="ko-KR" sz="1400" dirty="0" smtClean="0"/>
+              <a:t>.</a:t>
+            </a:r>
+            <a:endParaRPr lang="en-US" altLang="ko-KR" sz="1400" dirty="0" smtClean="0"/>
+          </a:p>
+        </p:txBody>
+      </p:sp>
+      <p:pic>
+        <p:nvPicPr>
+          <p:cNvPr id="8" name="그림 7"/>
+          <p:cNvPicPr>
+            <a:picLocks noChangeAspect="1"/>
+          </p:cNvPicPr>
+          <p:nvPr/>
+        </p:nvPicPr>
+        <p:blipFill>
+          <a:blip r:embed="rId4"/>
+          <a:stretch>
+            <a:fillRect/>
+          </a:stretch>
+        </p:blipFill>
+        <p:spPr>
+          <a:xfrm>
+            <a:off x="4867511" y="1341822"/>
+            <a:ext cx="4201111" cy="2057687"/>
+          </a:xfrm>
+          <a:prstGeom prst="rect">
+            <a:avLst/>
+          </a:prstGeom>
+        </p:spPr>
+      </p:pic>
+    </p:spTree>
+    <p:extLst>
+      <p:ext uri="{BB962C8B-B14F-4D97-AF65-F5344CB8AC3E}">
+        <p14:creationId xmlns:p14="http://schemas.microsoft.com/office/powerpoint/2010/main" val="907495978"/>
+      </p:ext>
+    </p:extLst>
+  </p:cSld>
+  <p:clrMapOvr>
+    <a:masterClrMapping/>
+  </p:clrMapOvr>
+</p:sld>
+</file>
+
+<file path=ppt/slides/slide11.xml><?xml version="1.0" encoding="utf-8"?>
+<p:sld xmlns:a="http://schemas.openxmlformats.org/drawingml/2006/main" xmlns:r="http://schemas.openxmlformats.org/officeDocument/2006/relationships" xmlns:p="http://schemas.openxmlformats.org/presentationml/2006/main">
+  <p:cSld>
+    <p:spTree>
+      <p:nvGrpSpPr>
+        <p:cNvPr id="1" name=""/>
+        <p:cNvGrpSpPr/>
+        <p:nvPr/>
+      </p:nvGrpSpPr>
+      <p:grpSpPr>
+        <a:xfrm>
+          <a:off x="0" y="0"/>
+          <a:ext cx="0" cy="0"/>
+          <a:chOff x="0" y="0"/>
+          <a:chExt cx="0" cy="0"/>
+        </a:xfrm>
+      </p:grpSpPr>
+      <p:pic>
+        <p:nvPicPr>
+          <p:cNvPr id="2" name="그림 1"/>
+          <p:cNvPicPr>
+            <a:picLocks noChangeAspect="1"/>
+          </p:cNvPicPr>
+          <p:nvPr/>
+        </p:nvPicPr>
+        <p:blipFill>
+          <a:blip r:embed="rId2"/>
+          <a:stretch>
+            <a:fillRect/>
+          </a:stretch>
+        </p:blipFill>
+        <p:spPr>
+          <a:xfrm>
+            <a:off x="545145" y="350935"/>
+            <a:ext cx="6106377" cy="6173061"/>
+          </a:xfrm>
+          <a:prstGeom prst="rect">
+            <a:avLst/>
+          </a:prstGeom>
+        </p:spPr>
+      </p:pic>
+      <p:sp>
+        <p:nvSpPr>
+          <p:cNvPr id="3" name="TextBox 2"/>
+          <p:cNvSpPr txBox="1"/>
+          <p:nvPr/>
+        </p:nvSpPr>
+        <p:spPr>
+          <a:xfrm>
+            <a:off x="7138696" y="2954315"/>
+            <a:ext cx="2683748" cy="415498"/>
+          </a:xfrm>
+          <a:prstGeom prst="rect">
+            <a:avLst/>
+          </a:prstGeom>
+          <a:noFill/>
+        </p:spPr>
+        <p:txBody>
+          <a:bodyPr wrap="none" rtlCol="0">
+            <a:spAutoFit/>
+          </a:bodyPr>
+          <a:lstStyle/>
+          <a:p>
+            <a:pPr>
+              <a:lnSpc>
+                <a:spcPct val="150000"/>
+              </a:lnSpc>
+            </a:pPr>
+            <a:r>
+              <a:rPr lang="ko-KR" altLang="en-US" sz="1400" dirty="0" err="1" smtClean="0"/>
+              <a:t>박과장님이</a:t>
+            </a:r>
+            <a:r>
+              <a:rPr lang="ko-KR" altLang="en-US" sz="1400" dirty="0" smtClean="0"/>
+              <a:t> 해결해 주셨습니다</a:t>
+            </a:r>
+            <a:r>
+              <a:rPr lang="en-US" altLang="ko-KR" sz="1400" dirty="0" smtClean="0"/>
+              <a:t>.</a:t>
+            </a:r>
+            <a:endParaRPr lang="en-US" altLang="ko-KR" sz="1400" dirty="0" smtClean="0"/>
+          </a:p>
+        </p:txBody>
+      </p:sp>
+    </p:spTree>
+    <p:extLst>
+      <p:ext uri="{BB962C8B-B14F-4D97-AF65-F5344CB8AC3E}">
+        <p14:creationId xmlns:p14="http://schemas.microsoft.com/office/powerpoint/2010/main" val="2135354952"/>
+      </p:ext>
+    </p:extLst>
+  </p:cSld>
+  <p:clrMapOvr>
+    <a:masterClrMapping/>
+  </p:clrMapOvr>
+</p:sld>
+</file>
+
+<file path=ppt/slides/slide12.xml><?xml version="1.0" encoding="utf-8"?>
+<p:sld xmlns:a="http://schemas.openxmlformats.org/drawingml/2006/main" xmlns:r="http://schemas.openxmlformats.org/officeDocument/2006/relationships" xmlns:p="http://schemas.openxmlformats.org/presentationml/2006/main">
+  <p:cSld>
+    <p:spTree>
+      <p:nvGrpSpPr>
+        <p:cNvPr id="1" name=""/>
+        <p:cNvGrpSpPr/>
+        <p:nvPr/>
+      </p:nvGrpSpPr>
+      <p:grpSpPr>
+        <a:xfrm>
+          <a:off x="0" y="0"/>
+          <a:ext cx="0" cy="0"/>
+          <a:chOff x="0" y="0"/>
+          <a:chExt cx="0" cy="0"/>
+        </a:xfrm>
+      </p:grpSpPr>
+      <p:pic>
+        <p:nvPicPr>
+          <p:cNvPr id="2" name="그림 1"/>
+          <p:cNvPicPr>
+            <a:picLocks noChangeAspect="1"/>
+          </p:cNvPicPr>
+          <p:nvPr/>
+        </p:nvPicPr>
+        <p:blipFill>
+          <a:blip r:embed="rId2"/>
+          <a:stretch>
+            <a:fillRect/>
+          </a:stretch>
+        </p:blipFill>
+        <p:spPr>
+          <a:xfrm>
+            <a:off x="643466" y="361638"/>
+            <a:ext cx="8957733" cy="4970412"/>
+          </a:xfrm>
+          <a:prstGeom prst="rect">
+            <a:avLst/>
+          </a:prstGeom>
+        </p:spPr>
+      </p:pic>
+      <p:sp>
+        <p:nvSpPr>
+          <p:cNvPr id="3" name="직사각형 2"/>
+          <p:cNvSpPr/>
+          <p:nvPr/>
+        </p:nvSpPr>
+        <p:spPr>
+          <a:xfrm>
+            <a:off x="1786466" y="922867"/>
+            <a:ext cx="8153400" cy="5283200"/>
+          </a:xfrm>
+          <a:prstGeom prst="rect">
+            <a:avLst/>
+          </a:prstGeom>
+        </p:spPr>
+        <p:style>
+          <a:lnRef idx="2">
+            <a:schemeClr val="accent1">
+              <a:shade val="50000"/>
+            </a:schemeClr>
+          </a:lnRef>
+          <a:fillRef idx="1">
+            <a:schemeClr val="accent1"/>
+          </a:fillRef>
+          <a:effectRef idx="0">
+            <a:schemeClr val="accent1"/>
+          </a:effectRef>
+          <a:fontRef idx="minor">
+            <a:schemeClr val="lt1"/>
+          </a:fontRef>
+        </p:style>
+        <p:txBody>
+          <a:bodyPr rtlCol="0" anchor="ctr"/>
+          <a:lstStyle/>
+          <a:p>
+            <a:pPr algn="ctr"/>
+            <a:r>
+              <a:rPr lang="ko-KR" altLang="en-US" sz="10000" smtClean="0"/>
+              <a:t>보류</a:t>
+            </a:r>
+            <a:endParaRPr lang="ko-KR" altLang="en-US" sz="10000"/>
+          </a:p>
+        </p:txBody>
+      </p:sp>
+    </p:spTree>
+    <p:extLst>
+      <p:ext uri="{BB962C8B-B14F-4D97-AF65-F5344CB8AC3E}">
+        <p14:creationId xmlns:p14="http://schemas.microsoft.com/office/powerpoint/2010/main" val="718075000"/>
+      </p:ext>
+    </p:extLst>
+  </p:cSld>
+  <p:clrMapOvr>
+    <a:masterClrMapping/>
+  </p:clrMapOvr>
+</p:sld>
+</file>
+
+<file path=ppt/slides/slide13.xml><?xml version="1.0" encoding="utf-8"?>
+<p:sld xmlns:a="http://schemas.openxmlformats.org/drawingml/2006/main" xmlns:r="http://schemas.openxmlformats.org/officeDocument/2006/relationships" xmlns:p="http://schemas.openxmlformats.org/presentationml/2006/main">
+  <p:cSld>
+    <p:spTree>
+      <p:nvGrpSpPr>
+        <p:cNvPr id="1" name=""/>
+        <p:cNvGrpSpPr/>
+        <p:nvPr/>
+      </p:nvGrpSpPr>
+      <p:grpSpPr>
+        <a:xfrm>
+          <a:off x="0" y="0"/>
+          <a:ext cx="0" cy="0"/>
+          <a:chOff x="0" y="0"/>
+          <a:chExt cx="0" cy="0"/>
+        </a:xfrm>
+      </p:grpSpPr>
+      <p:pic>
+        <p:nvPicPr>
+          <p:cNvPr id="2" name="그림 1"/>
+          <p:cNvPicPr>
+            <a:picLocks noChangeAspect="1"/>
+          </p:cNvPicPr>
+          <p:nvPr/>
+        </p:nvPicPr>
+        <p:blipFill>
+          <a:blip r:embed="rId2"/>
+          <a:stretch>
+            <a:fillRect/>
+          </a:stretch>
+        </p:blipFill>
+        <p:spPr>
+          <a:xfrm>
+            <a:off x="746947" y="406399"/>
+            <a:ext cx="5016708" cy="5441965"/>
+          </a:xfrm>
+          <a:prstGeom prst="rect">
+            <a:avLst/>
+          </a:prstGeom>
+        </p:spPr>
+      </p:pic>
+      <p:sp>
+        <p:nvSpPr>
+          <p:cNvPr id="3" name="직사각형 2"/>
+          <p:cNvSpPr/>
+          <p:nvPr/>
+        </p:nvSpPr>
+        <p:spPr>
+          <a:xfrm>
+            <a:off x="1786466" y="922867"/>
+            <a:ext cx="8153400" cy="5283200"/>
+          </a:xfrm>
+          <a:prstGeom prst="rect">
+            <a:avLst/>
+          </a:prstGeom>
+        </p:spPr>
+        <p:style>
+          <a:lnRef idx="2">
+            <a:schemeClr val="accent1">
+              <a:shade val="50000"/>
+            </a:schemeClr>
+          </a:lnRef>
+          <a:fillRef idx="1">
+            <a:schemeClr val="accent1"/>
+          </a:fillRef>
+          <a:effectRef idx="0">
+            <a:schemeClr val="accent1"/>
+          </a:effectRef>
+          <a:fontRef idx="minor">
+            <a:schemeClr val="lt1"/>
+          </a:fontRef>
+        </p:style>
+        <p:txBody>
+          <a:bodyPr rtlCol="0" anchor="ctr"/>
+          <a:lstStyle/>
+          <a:p>
+            <a:pPr algn="ctr"/>
+            <a:r>
+              <a:rPr lang="ko-KR" altLang="en-US" sz="10000" smtClean="0"/>
+              <a:t>보류</a:t>
+            </a:r>
+            <a:endParaRPr lang="ko-KR" altLang="en-US" sz="10000"/>
+          </a:p>
+        </p:txBody>
+      </p:sp>
+    </p:spTree>
+    <p:extLst>
+      <p:ext uri="{BB962C8B-B14F-4D97-AF65-F5344CB8AC3E}">
+        <p14:creationId xmlns:p14="http://schemas.microsoft.com/office/powerpoint/2010/main" val="1698545306"/>
+      </p:ext>
+    </p:extLst>
+  </p:cSld>
+  <p:clrMapOvr>
+    <a:masterClrMapping/>
+  </p:clrMapOvr>
+</p:sld>
+</file>
+
 <file path=ppt/slides/slide2.xml><?xml version="1.0" encoding="utf-8"?>
 <p:sld xmlns:a="http://schemas.openxmlformats.org/drawingml/2006/main" xmlns:r="http://schemas.openxmlformats.org/officeDocument/2006/relationships" xmlns:p="http://schemas.openxmlformats.org/presentationml/2006/main">
   <p:cSld>
@@ -4149,6 +4624,832 @@
     <p:extLst>
       <p:ext uri="{BB962C8B-B14F-4D97-AF65-F5344CB8AC3E}">
         <p14:creationId xmlns:p14="http://schemas.microsoft.com/office/powerpoint/2010/main" val="142812496"/>
+      </p:ext>
+    </p:extLst>
+  </p:cSld>
+  <p:clrMapOvr>
+    <a:masterClrMapping/>
+  </p:clrMapOvr>
+</p:sld>
+</file>
+
+<file path=ppt/slides/slide7.xml><?xml version="1.0" encoding="utf-8"?>
+<p:sld xmlns:a="http://schemas.openxmlformats.org/drawingml/2006/main" xmlns:r="http://schemas.openxmlformats.org/officeDocument/2006/relationships" xmlns:p="http://schemas.openxmlformats.org/presentationml/2006/main">
+  <p:cSld>
+    <p:spTree>
+      <p:nvGrpSpPr>
+        <p:cNvPr id="1" name=""/>
+        <p:cNvGrpSpPr/>
+        <p:nvPr/>
+      </p:nvGrpSpPr>
+      <p:grpSpPr>
+        <a:xfrm>
+          <a:off x="0" y="0"/>
+          <a:ext cx="0" cy="0"/>
+          <a:chOff x="0" y="0"/>
+          <a:chExt cx="0" cy="0"/>
+        </a:xfrm>
+      </p:grpSpPr>
+      <p:sp>
+        <p:nvSpPr>
+          <p:cNvPr id="2" name="직사각형 1"/>
+          <p:cNvSpPr/>
+          <p:nvPr/>
+        </p:nvSpPr>
+        <p:spPr>
+          <a:xfrm>
+            <a:off x="0" y="0"/>
+            <a:ext cx="12192000" cy="6858000"/>
+          </a:xfrm>
+          <a:prstGeom prst="rect">
+            <a:avLst/>
+          </a:prstGeom>
+        </p:spPr>
+        <p:style>
+          <a:lnRef idx="2">
+            <a:schemeClr val="accent1">
+              <a:shade val="50000"/>
+            </a:schemeClr>
+          </a:lnRef>
+          <a:fillRef idx="1">
+            <a:schemeClr val="accent1"/>
+          </a:fillRef>
+          <a:effectRef idx="0">
+            <a:schemeClr val="accent1"/>
+          </a:effectRef>
+          <a:fontRef idx="minor">
+            <a:schemeClr val="lt1"/>
+          </a:fontRef>
+        </p:style>
+        <p:txBody>
+          <a:bodyPr rtlCol="0" anchor="ctr"/>
+          <a:lstStyle/>
+          <a:p>
+            <a:pPr algn="ctr"/>
+            <a:r>
+              <a:rPr lang="ko-KR" altLang="en-US" sz="8000" err="1" smtClean="0"/>
+              <a:t>정차장님</a:t>
+            </a:r>
+            <a:r>
+              <a:rPr lang="ko-KR" altLang="en-US" sz="8000" dirty="0" smtClean="0"/>
+              <a:t> 요청사항</a:t>
+            </a:r>
+            <a:endParaRPr lang="ko-KR" altLang="en-US" sz="8000" dirty="0"/>
+          </a:p>
+        </p:txBody>
+      </p:sp>
+    </p:spTree>
+    <p:extLst>
+      <p:ext uri="{BB962C8B-B14F-4D97-AF65-F5344CB8AC3E}">
+        <p14:creationId xmlns:p14="http://schemas.microsoft.com/office/powerpoint/2010/main" val="1095210831"/>
+      </p:ext>
+    </p:extLst>
+  </p:cSld>
+  <p:clrMapOvr>
+    <a:masterClrMapping/>
+  </p:clrMapOvr>
+</p:sld>
+</file>
+
+<file path=ppt/slides/slide8.xml><?xml version="1.0" encoding="utf-8"?>
+<p:sld xmlns:a="http://schemas.openxmlformats.org/drawingml/2006/main" xmlns:r="http://schemas.openxmlformats.org/officeDocument/2006/relationships" xmlns:p="http://schemas.openxmlformats.org/presentationml/2006/main">
+  <p:cSld>
+    <p:spTree>
+      <p:nvGrpSpPr>
+        <p:cNvPr id="1" name=""/>
+        <p:cNvGrpSpPr/>
+        <p:nvPr/>
+      </p:nvGrpSpPr>
+      <p:grpSpPr>
+        <a:xfrm>
+          <a:off x="0" y="0"/>
+          <a:ext cx="0" cy="0"/>
+          <a:chOff x="0" y="0"/>
+          <a:chExt cx="0" cy="0"/>
+        </a:xfrm>
+      </p:grpSpPr>
+      <p:pic>
+        <p:nvPicPr>
+          <p:cNvPr id="2" name="그림 1"/>
+          <p:cNvPicPr>
+            <a:picLocks noChangeAspect="1"/>
+          </p:cNvPicPr>
+          <p:nvPr/>
+        </p:nvPicPr>
+        <p:blipFill>
+          <a:blip r:embed="rId2"/>
+          <a:stretch>
+            <a:fillRect/>
+          </a:stretch>
+        </p:blipFill>
+        <p:spPr>
+          <a:xfrm>
+            <a:off x="7503822" y="690777"/>
+            <a:ext cx="4143953" cy="2743583"/>
+          </a:xfrm>
+          <a:prstGeom prst="rect">
+            <a:avLst/>
+          </a:prstGeom>
+        </p:spPr>
+      </p:pic>
+      <p:pic>
+        <p:nvPicPr>
+          <p:cNvPr id="4" name="그림 3"/>
+          <p:cNvPicPr>
+            <a:picLocks noChangeAspect="1"/>
+          </p:cNvPicPr>
+          <p:nvPr/>
+        </p:nvPicPr>
+        <p:blipFill>
+          <a:blip r:embed="rId3"/>
+          <a:stretch>
+            <a:fillRect/>
+          </a:stretch>
+        </p:blipFill>
+        <p:spPr>
+          <a:xfrm>
+            <a:off x="0" y="274212"/>
+            <a:ext cx="7015659" cy="3823655"/>
+          </a:xfrm>
+          <a:prstGeom prst="rect">
+            <a:avLst/>
+          </a:prstGeom>
+        </p:spPr>
+      </p:pic>
+      <p:cxnSp>
+        <p:nvCxnSpPr>
+          <p:cNvPr id="9" name="직선 화살표 연결선 8"/>
+          <p:cNvCxnSpPr/>
+          <p:nvPr/>
+        </p:nvCxnSpPr>
+        <p:spPr>
+          <a:xfrm>
+            <a:off x="6646333" y="3290236"/>
+            <a:ext cx="787400" cy="0"/>
+          </a:xfrm>
+          <a:prstGeom prst="straightConnector1">
+            <a:avLst/>
+          </a:prstGeom>
+          <a:ln>
+            <a:tailEnd type="triangle"/>
+          </a:ln>
+        </p:spPr>
+        <p:style>
+          <a:lnRef idx="1">
+            <a:schemeClr val="accent1"/>
+          </a:lnRef>
+          <a:fillRef idx="0">
+            <a:schemeClr val="accent1"/>
+          </a:fillRef>
+          <a:effectRef idx="0">
+            <a:schemeClr val="accent1"/>
+          </a:effectRef>
+          <a:fontRef idx="minor">
+            <a:schemeClr val="tx1"/>
+          </a:fontRef>
+        </p:style>
+      </p:cxnSp>
+      <p:sp>
+        <p:nvSpPr>
+          <p:cNvPr id="10" name="TextBox 9"/>
+          <p:cNvSpPr txBox="1"/>
+          <p:nvPr/>
+        </p:nvSpPr>
+        <p:spPr>
+          <a:xfrm>
+            <a:off x="8705427" y="3560109"/>
+            <a:ext cx="1606530" cy="373885"/>
+          </a:xfrm>
+          <a:prstGeom prst="rect">
+            <a:avLst/>
+          </a:prstGeom>
+          <a:noFill/>
+        </p:spPr>
+        <p:txBody>
+          <a:bodyPr wrap="none" rtlCol="0">
+            <a:spAutoFit/>
+          </a:bodyPr>
+          <a:lstStyle/>
+          <a:p>
+            <a:pPr>
+              <a:lnSpc>
+                <a:spcPct val="150000"/>
+              </a:lnSpc>
+            </a:pPr>
+            <a:r>
+              <a:rPr lang="en-US" altLang="ko-KR" sz="1400" dirty="0" smtClean="0"/>
+              <a:t>css </a:t>
+            </a:r>
+            <a:r>
+              <a:rPr lang="ko-KR" altLang="en-US" sz="1400" dirty="0" smtClean="0"/>
+              <a:t>수정했습니다</a:t>
+            </a:r>
+            <a:r>
+              <a:rPr lang="en-US" altLang="ko-KR" sz="1400" dirty="0" smtClean="0"/>
+              <a:t>.</a:t>
+            </a:r>
+            <a:endParaRPr lang="ko-KR" altLang="en-US" sz="1400" dirty="0"/>
+          </a:p>
+        </p:txBody>
+      </p:sp>
+      <p:pic>
+        <p:nvPicPr>
+          <p:cNvPr id="11" name="그림 10"/>
+          <p:cNvPicPr>
+            <a:picLocks noChangeAspect="1"/>
+          </p:cNvPicPr>
+          <p:nvPr/>
+        </p:nvPicPr>
+        <p:blipFill>
+          <a:blip r:embed="rId4"/>
+          <a:stretch>
+            <a:fillRect/>
+          </a:stretch>
+        </p:blipFill>
+        <p:spPr>
+          <a:xfrm>
+            <a:off x="441071" y="5075698"/>
+            <a:ext cx="3639058" cy="990738"/>
+          </a:xfrm>
+          <a:prstGeom prst="rect">
+            <a:avLst/>
+          </a:prstGeom>
+        </p:spPr>
+      </p:pic>
+      <p:sp>
+        <p:nvSpPr>
+          <p:cNvPr id="15" name="TextBox 14"/>
+          <p:cNvSpPr txBox="1"/>
+          <p:nvPr/>
+        </p:nvSpPr>
+        <p:spPr>
+          <a:xfrm>
+            <a:off x="441071" y="6180092"/>
+            <a:ext cx="7370929" cy="415498"/>
+          </a:xfrm>
+          <a:prstGeom prst="rect">
+            <a:avLst/>
+          </a:prstGeom>
+          <a:noFill/>
+        </p:spPr>
+        <p:txBody>
+          <a:bodyPr wrap="none" rtlCol="0">
+            <a:spAutoFit/>
+          </a:bodyPr>
+          <a:lstStyle/>
+          <a:p>
+            <a:pPr>
+              <a:lnSpc>
+                <a:spcPct val="150000"/>
+              </a:lnSpc>
+            </a:pPr>
+            <a:r>
+              <a:rPr lang="ko-KR" altLang="en-US" sz="1400" dirty="0" smtClean="0"/>
+              <a:t>디자인 변경 및 낮음</a:t>
+            </a:r>
+            <a:r>
+              <a:rPr lang="en-US" altLang="ko-KR" sz="1400" dirty="0" smtClean="0"/>
+              <a:t>, </a:t>
+            </a:r>
+            <a:r>
+              <a:rPr lang="ko-KR" altLang="en-US" sz="1400" dirty="0" smtClean="0"/>
+              <a:t>보통</a:t>
+            </a:r>
+            <a:r>
+              <a:rPr lang="en-US" altLang="ko-KR" sz="1400" dirty="0" smtClean="0"/>
+              <a:t>, </a:t>
+            </a:r>
+            <a:r>
+              <a:rPr lang="ko-KR" altLang="en-US" sz="1400" dirty="0" smtClean="0"/>
+              <a:t>높음</a:t>
+            </a:r>
+            <a:r>
+              <a:rPr lang="en-US" altLang="ko-KR" sz="1400" dirty="0" smtClean="0"/>
+              <a:t>, </a:t>
+            </a:r>
+            <a:r>
+              <a:rPr lang="ko-KR" altLang="en-US" sz="1400" dirty="0" err="1" smtClean="0"/>
+              <a:t>매우높음</a:t>
+            </a:r>
+            <a:r>
+              <a:rPr lang="ko-KR" altLang="en-US" sz="1400" dirty="0" smtClean="0"/>
+              <a:t> </a:t>
+            </a:r>
+            <a:r>
+              <a:rPr lang="ko-KR" altLang="en-US" sz="1400" dirty="0" err="1" smtClean="0"/>
+              <a:t>다른곳과</a:t>
+            </a:r>
+            <a:r>
+              <a:rPr lang="ko-KR" altLang="en-US" sz="1400" dirty="0" smtClean="0"/>
+              <a:t> 통일하기위해 </a:t>
+            </a:r>
+            <a:r>
+              <a:rPr lang="ko-KR" altLang="en-US" sz="1400" dirty="0" err="1" smtClean="0"/>
+              <a:t>클래스명</a:t>
+            </a:r>
+            <a:r>
+              <a:rPr lang="ko-KR" altLang="en-US" sz="1400" dirty="0" smtClean="0"/>
+              <a:t> 변경됐습니다</a:t>
+            </a:r>
+            <a:r>
+              <a:rPr lang="en-US" altLang="ko-KR" sz="1400" dirty="0" smtClean="0"/>
+              <a:t>.</a:t>
+            </a:r>
+            <a:endParaRPr lang="ko-KR" altLang="en-US" sz="1400" dirty="0"/>
+          </a:p>
+        </p:txBody>
+      </p:sp>
+      <p:pic>
+        <p:nvPicPr>
+          <p:cNvPr id="16" name="그림 15"/>
+          <p:cNvPicPr>
+            <a:picLocks noChangeAspect="1"/>
+          </p:cNvPicPr>
+          <p:nvPr/>
+        </p:nvPicPr>
+        <p:blipFill>
+          <a:blip r:embed="rId5"/>
+          <a:stretch>
+            <a:fillRect/>
+          </a:stretch>
+        </p:blipFill>
+        <p:spPr>
+          <a:xfrm>
+            <a:off x="441071" y="3379202"/>
+            <a:ext cx="3772426" cy="1362265"/>
+          </a:xfrm>
+          <a:prstGeom prst="rect">
+            <a:avLst/>
+          </a:prstGeom>
+        </p:spPr>
+      </p:pic>
+      <p:cxnSp>
+        <p:nvCxnSpPr>
+          <p:cNvPr id="18" name="직선 화살표 연결선 17"/>
+          <p:cNvCxnSpPr/>
+          <p:nvPr/>
+        </p:nvCxnSpPr>
+        <p:spPr>
+          <a:xfrm flipV="1">
+            <a:off x="1109134" y="4182534"/>
+            <a:ext cx="0" cy="762000"/>
+          </a:xfrm>
+          <a:prstGeom prst="straightConnector1">
+            <a:avLst/>
+          </a:prstGeom>
+          <a:ln>
+            <a:tailEnd type="triangle"/>
+          </a:ln>
+        </p:spPr>
+        <p:style>
+          <a:lnRef idx="1">
+            <a:schemeClr val="accent1"/>
+          </a:lnRef>
+          <a:fillRef idx="0">
+            <a:schemeClr val="accent1"/>
+          </a:fillRef>
+          <a:effectRef idx="0">
+            <a:schemeClr val="accent1"/>
+          </a:effectRef>
+          <a:fontRef idx="minor">
+            <a:schemeClr val="tx1"/>
+          </a:fontRef>
+        </p:style>
+      </p:cxnSp>
+      <p:pic>
+        <p:nvPicPr>
+          <p:cNvPr id="19" name="그림 18"/>
+          <p:cNvPicPr>
+            <a:picLocks noChangeAspect="1"/>
+          </p:cNvPicPr>
+          <p:nvPr/>
+        </p:nvPicPr>
+        <p:blipFill>
+          <a:blip r:embed="rId6"/>
+          <a:stretch>
+            <a:fillRect/>
+          </a:stretch>
+        </p:blipFill>
+        <p:spPr>
+          <a:xfrm>
+            <a:off x="5198505" y="4741467"/>
+            <a:ext cx="2172003" cy="247685"/>
+          </a:xfrm>
+          <a:prstGeom prst="rect">
+            <a:avLst/>
+          </a:prstGeom>
+        </p:spPr>
+      </p:pic>
+      <p:cxnSp>
+        <p:nvCxnSpPr>
+          <p:cNvPr id="21" name="직선 화살표 연결선 20"/>
+          <p:cNvCxnSpPr/>
+          <p:nvPr/>
+        </p:nvCxnSpPr>
+        <p:spPr>
+          <a:xfrm flipH="1" flipV="1">
+            <a:off x="3800104" y="4016358"/>
+            <a:ext cx="1246909" cy="667026"/>
+          </a:xfrm>
+          <a:prstGeom prst="straightConnector1">
+            <a:avLst/>
+          </a:prstGeom>
+          <a:ln>
+            <a:tailEnd type="triangle"/>
+          </a:ln>
+        </p:spPr>
+        <p:style>
+          <a:lnRef idx="1">
+            <a:schemeClr val="accent1"/>
+          </a:lnRef>
+          <a:fillRef idx="0">
+            <a:schemeClr val="accent1"/>
+          </a:fillRef>
+          <a:effectRef idx="0">
+            <a:schemeClr val="accent1"/>
+          </a:effectRef>
+          <a:fontRef idx="minor">
+            <a:schemeClr val="tx1"/>
+          </a:fontRef>
+        </p:style>
+      </p:cxnSp>
+      <p:cxnSp>
+        <p:nvCxnSpPr>
+          <p:cNvPr id="23" name="직선 연결선 22"/>
+          <p:cNvCxnSpPr/>
+          <p:nvPr/>
+        </p:nvCxnSpPr>
+        <p:spPr>
+          <a:xfrm>
+            <a:off x="6691176" y="5056882"/>
+            <a:ext cx="502612" cy="0"/>
+          </a:xfrm>
+          <a:prstGeom prst="line">
+            <a:avLst/>
+          </a:prstGeom>
+        </p:spPr>
+        <p:style>
+          <a:lnRef idx="3">
+            <a:schemeClr val="accent1"/>
+          </a:lnRef>
+          <a:fillRef idx="0">
+            <a:schemeClr val="accent1"/>
+          </a:fillRef>
+          <a:effectRef idx="2">
+            <a:schemeClr val="accent1"/>
+          </a:effectRef>
+          <a:fontRef idx="minor">
+            <a:schemeClr val="tx1"/>
+          </a:fontRef>
+        </p:style>
+      </p:cxnSp>
+      <p:sp>
+        <p:nvSpPr>
+          <p:cNvPr id="24" name="TextBox 23"/>
+          <p:cNvSpPr txBox="1"/>
+          <p:nvPr/>
+        </p:nvSpPr>
+        <p:spPr>
+          <a:xfrm>
+            <a:off x="6691176" y="5127296"/>
+            <a:ext cx="543739" cy="415498"/>
+          </a:xfrm>
+          <a:prstGeom prst="rect">
+            <a:avLst/>
+          </a:prstGeom>
+          <a:noFill/>
+        </p:spPr>
+        <p:txBody>
+          <a:bodyPr wrap="none" rtlCol="0">
+            <a:spAutoFit/>
+          </a:bodyPr>
+          <a:lstStyle/>
+          <a:p>
+            <a:pPr>
+              <a:lnSpc>
+                <a:spcPct val="150000"/>
+              </a:lnSpc>
+            </a:pPr>
+            <a:r>
+              <a:rPr lang="ko-KR" altLang="en-US" sz="1400" smtClean="0"/>
+              <a:t>삭제</a:t>
+            </a:r>
+            <a:endParaRPr lang="ko-KR" altLang="en-US" sz="1400" dirty="0"/>
+          </a:p>
+        </p:txBody>
+      </p:sp>
+    </p:spTree>
+    <p:extLst>
+      <p:ext uri="{BB962C8B-B14F-4D97-AF65-F5344CB8AC3E}">
+        <p14:creationId xmlns:p14="http://schemas.microsoft.com/office/powerpoint/2010/main" val="1557533278"/>
+      </p:ext>
+    </p:extLst>
+  </p:cSld>
+  <p:clrMapOvr>
+    <a:masterClrMapping/>
+  </p:clrMapOvr>
+</p:sld>
+</file>
+
+<file path=ppt/slides/slide9.xml><?xml version="1.0" encoding="utf-8"?>
+<p:sld xmlns:a="http://schemas.openxmlformats.org/drawingml/2006/main" xmlns:r="http://schemas.openxmlformats.org/officeDocument/2006/relationships" xmlns:p="http://schemas.openxmlformats.org/presentationml/2006/main">
+  <p:cSld>
+    <p:spTree>
+      <p:nvGrpSpPr>
+        <p:cNvPr id="1" name=""/>
+        <p:cNvGrpSpPr/>
+        <p:nvPr/>
+      </p:nvGrpSpPr>
+      <p:grpSpPr>
+        <a:xfrm>
+          <a:off x="0" y="0"/>
+          <a:ext cx="0" cy="0"/>
+          <a:chOff x="0" y="0"/>
+          <a:chExt cx="0" cy="0"/>
+        </a:xfrm>
+      </p:grpSpPr>
+      <p:sp>
+        <p:nvSpPr>
+          <p:cNvPr id="7" name="TextBox 6"/>
+          <p:cNvSpPr txBox="1"/>
+          <p:nvPr/>
+        </p:nvSpPr>
+        <p:spPr>
+          <a:xfrm>
+            <a:off x="368135" y="225631"/>
+            <a:ext cx="1821332" cy="369332"/>
+          </a:xfrm>
+          <a:prstGeom prst="rect">
+            <a:avLst/>
+          </a:prstGeom>
+          <a:noFill/>
+        </p:spPr>
+        <p:txBody>
+          <a:bodyPr wrap="none" rtlCol="0">
+            <a:spAutoFit/>
+          </a:bodyPr>
+          <a:lstStyle/>
+          <a:p>
+            <a:r>
+              <a:rPr lang="en-US" altLang="ko-KR" dirty="0"/>
+              <a:t>UI-SJN-30-006L</a:t>
+            </a:r>
+            <a:endParaRPr lang="ko-KR" altLang="en-US" dirty="0"/>
+          </a:p>
+        </p:txBody>
+      </p:sp>
+      <p:pic>
+        <p:nvPicPr>
+          <p:cNvPr id="8" name="그림 7"/>
+          <p:cNvPicPr>
+            <a:picLocks noChangeAspect="1"/>
+          </p:cNvPicPr>
+          <p:nvPr/>
+        </p:nvPicPr>
+        <p:blipFill>
+          <a:blip r:embed="rId2"/>
+          <a:stretch>
+            <a:fillRect/>
+          </a:stretch>
+        </p:blipFill>
+        <p:spPr>
+          <a:xfrm>
+            <a:off x="296306" y="4104896"/>
+            <a:ext cx="4134427" cy="1886213"/>
+          </a:xfrm>
+          <a:prstGeom prst="rect">
+            <a:avLst/>
+          </a:prstGeom>
+        </p:spPr>
+      </p:pic>
+      <p:pic>
+        <p:nvPicPr>
+          <p:cNvPr id="11" name="그림 10"/>
+          <p:cNvPicPr>
+            <a:picLocks noChangeAspect="1"/>
+          </p:cNvPicPr>
+          <p:nvPr/>
+        </p:nvPicPr>
+        <p:blipFill>
+          <a:blip r:embed="rId3"/>
+          <a:stretch>
+            <a:fillRect/>
+          </a:stretch>
+        </p:blipFill>
+        <p:spPr>
+          <a:xfrm>
+            <a:off x="220133" y="866861"/>
+            <a:ext cx="7239000" cy="2325688"/>
+          </a:xfrm>
+          <a:prstGeom prst="rect">
+            <a:avLst/>
+          </a:prstGeom>
+        </p:spPr>
+      </p:pic>
+      <p:cxnSp>
+        <p:nvCxnSpPr>
+          <p:cNvPr id="13" name="직선 화살표 연결선 12"/>
+          <p:cNvCxnSpPr/>
+          <p:nvPr/>
+        </p:nvCxnSpPr>
+        <p:spPr>
+          <a:xfrm>
+            <a:off x="2065867" y="3464447"/>
+            <a:ext cx="0" cy="531820"/>
+          </a:xfrm>
+          <a:prstGeom prst="straightConnector1">
+            <a:avLst/>
+          </a:prstGeom>
+          <a:ln>
+            <a:tailEnd type="triangle"/>
+          </a:ln>
+        </p:spPr>
+        <p:style>
+          <a:lnRef idx="1">
+            <a:schemeClr val="accent1"/>
+          </a:lnRef>
+          <a:fillRef idx="0">
+            <a:schemeClr val="accent1"/>
+          </a:fillRef>
+          <a:effectRef idx="0">
+            <a:schemeClr val="accent1"/>
+          </a:effectRef>
+          <a:fontRef idx="minor">
+            <a:schemeClr val="tx1"/>
+          </a:fontRef>
+        </p:style>
+      </p:cxnSp>
+      <p:sp>
+        <p:nvSpPr>
+          <p:cNvPr id="14" name="TextBox 13"/>
+          <p:cNvSpPr txBox="1"/>
+          <p:nvPr/>
+        </p:nvSpPr>
+        <p:spPr>
+          <a:xfrm>
+            <a:off x="4802294" y="4488508"/>
+            <a:ext cx="2744982" cy="1061829"/>
+          </a:xfrm>
+          <a:prstGeom prst="rect">
+            <a:avLst/>
+          </a:prstGeom>
+          <a:noFill/>
+        </p:spPr>
+        <p:txBody>
+          <a:bodyPr wrap="none" rtlCol="0">
+            <a:spAutoFit/>
+          </a:bodyPr>
+          <a:lstStyle/>
+          <a:p>
+            <a:pPr>
+              <a:lnSpc>
+                <a:spcPct val="150000"/>
+              </a:lnSpc>
+            </a:pPr>
+            <a:r>
+              <a:rPr lang="ko-KR" altLang="en-US" sz="1400" dirty="0" smtClean="0"/>
+              <a:t>옆 모양대로 만들었습니다</a:t>
+            </a:r>
+            <a:r>
+              <a:rPr lang="en-US" altLang="ko-KR" sz="1400" dirty="0" smtClean="0"/>
+              <a:t>.</a:t>
+            </a:r>
+          </a:p>
+          <a:p>
+            <a:pPr>
+              <a:lnSpc>
+                <a:spcPct val="150000"/>
+              </a:lnSpc>
+            </a:pPr>
+            <a:r>
+              <a:rPr lang="en-US" altLang="ko-KR" sz="1400" dirty="0" smtClean="0"/>
+              <a:t>items-gasStation</a:t>
+            </a:r>
+            <a:r>
+              <a:rPr lang="ko-KR" altLang="en-US" sz="1400" dirty="0" smtClean="0"/>
+              <a:t>에만 클래스가 </a:t>
+            </a:r>
+            <a:endParaRPr lang="en-US" altLang="ko-KR" sz="1400" dirty="0" smtClean="0"/>
+          </a:p>
+          <a:p>
+            <a:pPr>
+              <a:lnSpc>
+                <a:spcPct val="150000"/>
+              </a:lnSpc>
+            </a:pPr>
+            <a:r>
+              <a:rPr lang="ko-KR" altLang="en-US" sz="1400" dirty="0" smtClean="0"/>
+              <a:t>들어가 있습니다</a:t>
+            </a:r>
+            <a:r>
+              <a:rPr lang="en-US" altLang="ko-KR" sz="1400" dirty="0" smtClean="0"/>
+              <a:t>.</a:t>
+            </a:r>
+          </a:p>
+        </p:txBody>
+      </p:sp>
+      <p:pic>
+        <p:nvPicPr>
+          <p:cNvPr id="15" name="그림 14"/>
+          <p:cNvPicPr>
+            <a:picLocks noChangeAspect="1"/>
+          </p:cNvPicPr>
+          <p:nvPr/>
+        </p:nvPicPr>
+        <p:blipFill>
+          <a:blip r:embed="rId4"/>
+          <a:stretch>
+            <a:fillRect/>
+          </a:stretch>
+        </p:blipFill>
+        <p:spPr>
+          <a:xfrm>
+            <a:off x="8078359" y="4104896"/>
+            <a:ext cx="2667372" cy="1829055"/>
+          </a:xfrm>
+          <a:prstGeom prst="rect">
+            <a:avLst/>
+          </a:prstGeom>
+        </p:spPr>
+      </p:pic>
+      <p:cxnSp>
+        <p:nvCxnSpPr>
+          <p:cNvPr id="17" name="직선 연결선 16"/>
+          <p:cNvCxnSpPr/>
+          <p:nvPr/>
+        </p:nvCxnSpPr>
+        <p:spPr>
+          <a:xfrm>
+            <a:off x="8861711" y="4318000"/>
+            <a:ext cx="1066800" cy="0"/>
+          </a:xfrm>
+          <a:prstGeom prst="line">
+            <a:avLst/>
+          </a:prstGeom>
+        </p:spPr>
+        <p:style>
+          <a:lnRef idx="3">
+            <a:schemeClr val="accent2"/>
+          </a:lnRef>
+          <a:fillRef idx="0">
+            <a:schemeClr val="accent2"/>
+          </a:fillRef>
+          <a:effectRef idx="2">
+            <a:schemeClr val="accent2"/>
+          </a:effectRef>
+          <a:fontRef idx="minor">
+            <a:schemeClr val="tx1"/>
+          </a:fontRef>
+        </p:style>
+      </p:cxnSp>
+      <p:sp>
+        <p:nvSpPr>
+          <p:cNvPr id="18" name="직사각형 17"/>
+          <p:cNvSpPr/>
+          <p:nvPr/>
+        </p:nvSpPr>
+        <p:spPr>
+          <a:xfrm>
+            <a:off x="0" y="6510867"/>
+            <a:ext cx="12192000" cy="347133"/>
+          </a:xfrm>
+          <a:prstGeom prst="rect">
+            <a:avLst/>
+          </a:prstGeom>
+        </p:spPr>
+        <p:style>
+          <a:lnRef idx="2">
+            <a:schemeClr val="accent1">
+              <a:shade val="50000"/>
+            </a:schemeClr>
+          </a:lnRef>
+          <a:fillRef idx="1">
+            <a:schemeClr val="accent1"/>
+          </a:fillRef>
+          <a:effectRef idx="0">
+            <a:schemeClr val="accent1"/>
+          </a:effectRef>
+          <a:fontRef idx="minor">
+            <a:schemeClr val="lt1"/>
+          </a:fontRef>
+        </p:style>
+        <p:txBody>
+          <a:bodyPr rtlCol="0" anchor="ctr"/>
+          <a:lstStyle/>
+          <a:p>
+            <a:pPr algn="ctr"/>
+            <a:r>
+              <a:rPr lang="ko-KR" altLang="en-US" smtClean="0"/>
+              <a:t>아래에 계속</a:t>
+            </a:r>
+            <a:endParaRPr lang="ko-KR" altLang="en-US"/>
+          </a:p>
+        </p:txBody>
+      </p:sp>
+    </p:spTree>
+    <p:extLst>
+      <p:ext uri="{BB962C8B-B14F-4D97-AF65-F5344CB8AC3E}">
+        <p14:creationId xmlns:p14="http://schemas.microsoft.com/office/powerpoint/2010/main" val="292345720"/>
       </p:ext>
     </p:extLst>
   </p:cSld>

--- a/ppt/04-05.pptx
+++ b/ppt/04-05.pptx
@@ -3196,7 +3196,6 @@
               <a:rPr lang="en-US" altLang="ko-KR" sz="1400" dirty="0" smtClean="0"/>
               <a:t>.</a:t>
             </a:r>
-            <a:endParaRPr lang="en-US" altLang="ko-KR" sz="1400" dirty="0" smtClean="0"/>
           </a:p>
         </p:txBody>
       </p:sp>
@@ -3317,7 +3316,6 @@
               <a:rPr lang="en-US" altLang="ko-KR" sz="1400" dirty="0" smtClean="0"/>
               <a:t>.</a:t>
             </a:r>
-            <a:endParaRPr lang="en-US" altLang="ko-KR" sz="1400" dirty="0" smtClean="0"/>
           </a:p>
         </p:txBody>
       </p:sp>

--- a/ppt/04-05.pptx
+++ b/ppt/04-05.pptx
@@ -11,13 +11,13 @@
     <p:sldId id="261" r:id="rId5"/>
     <p:sldId id="262" r:id="rId6"/>
     <p:sldId id="263" r:id="rId7"/>
-    <p:sldId id="264" r:id="rId8"/>
-    <p:sldId id="265" r:id="rId9"/>
-    <p:sldId id="266" r:id="rId10"/>
-    <p:sldId id="267" r:id="rId11"/>
-    <p:sldId id="268" r:id="rId12"/>
-    <p:sldId id="271" r:id="rId13"/>
-    <p:sldId id="270" r:id="rId14"/>
+    <p:sldId id="272" r:id="rId8"/>
+    <p:sldId id="264" r:id="rId9"/>
+    <p:sldId id="265" r:id="rId10"/>
+    <p:sldId id="266" r:id="rId11"/>
+    <p:sldId id="267" r:id="rId12"/>
+    <p:sldId id="268" r:id="rId13"/>
+    <p:sldId id="273" r:id="rId14"/>
   </p:sldIdLst>
   <p:sldSz cx="12192000" cy="6858000"/>
   <p:notesSz cx="6858000" cy="9144000"/>
@@ -3079,9 +3079,39 @@
           <a:chExt cx="0" cy="0"/>
         </a:xfrm>
       </p:grpSpPr>
+      <p:sp>
+        <p:nvSpPr>
+          <p:cNvPr id="7" name="TextBox 6"/>
+          <p:cNvSpPr txBox="1"/>
+          <p:nvPr/>
+        </p:nvSpPr>
+        <p:spPr>
+          <a:xfrm>
+            <a:off x="368135" y="225631"/>
+            <a:ext cx="1821332" cy="369332"/>
+          </a:xfrm>
+          <a:prstGeom prst="rect">
+            <a:avLst/>
+          </a:prstGeom>
+          <a:noFill/>
+        </p:spPr>
+        <p:txBody>
+          <a:bodyPr wrap="none" rtlCol="0">
+            <a:spAutoFit/>
+          </a:bodyPr>
+          <a:lstStyle/>
+          <a:p>
+            <a:r>
+              <a:rPr lang="en-US" altLang="ko-KR" dirty="0"/>
+              <a:t>UI-SJN-30-006L</a:t>
+            </a:r>
+            <a:endParaRPr lang="ko-KR" altLang="en-US" dirty="0"/>
+          </a:p>
+        </p:txBody>
+      </p:sp>
       <p:pic>
         <p:nvPicPr>
-          <p:cNvPr id="3" name="그림 2"/>
+          <p:cNvPr id="8" name="그림 7"/>
           <p:cNvPicPr>
             <a:picLocks noChangeAspect="1"/>
           </p:cNvPicPr>
@@ -3095,8 +3125,8 @@
         </p:blipFill>
         <p:spPr>
           <a:xfrm>
-            <a:off x="305112" y="621922"/>
-            <a:ext cx="3115110" cy="5410955"/>
+            <a:off x="296306" y="4104896"/>
+            <a:ext cx="4134427" cy="1886213"/>
           </a:xfrm>
           <a:prstGeom prst="rect">
             <a:avLst/>
@@ -3105,7 +3135,7 @@
       </p:pic>
       <p:pic>
         <p:nvPicPr>
-          <p:cNvPr id="4" name="그림 3"/>
+          <p:cNvPr id="11" name="그림 10"/>
           <p:cNvPicPr>
             <a:picLocks noChangeAspect="1"/>
           </p:cNvPicPr>
@@ -3119,8 +3149,8 @@
         </p:blipFill>
         <p:spPr>
           <a:xfrm>
-            <a:off x="4971230" y="3854357"/>
-            <a:ext cx="3658111" cy="1333686"/>
+            <a:off x="220133" y="866861"/>
+            <a:ext cx="7239000" cy="2325688"/>
           </a:xfrm>
           <a:prstGeom prst="rect">
             <a:avLst/>
@@ -3129,14 +3159,140 @@
       </p:pic>
       <p:cxnSp>
         <p:nvCxnSpPr>
-          <p:cNvPr id="6" name="직선 연결선 5"/>
+          <p:cNvPr id="13" name="직선 화살표 연결선 12"/>
           <p:cNvCxnSpPr/>
           <p:nvPr/>
         </p:nvCxnSpPr>
         <p:spPr>
           <a:xfrm>
-            <a:off x="5833533" y="4038600"/>
-            <a:ext cx="795867" cy="0"/>
+            <a:off x="2065867" y="3464447"/>
+            <a:ext cx="0" cy="531820"/>
+          </a:xfrm>
+          <a:prstGeom prst="straightConnector1">
+            <a:avLst/>
+          </a:prstGeom>
+          <a:ln>
+            <a:tailEnd type="triangle"/>
+          </a:ln>
+        </p:spPr>
+        <p:style>
+          <a:lnRef idx="1">
+            <a:schemeClr val="accent1"/>
+          </a:lnRef>
+          <a:fillRef idx="0">
+            <a:schemeClr val="accent1"/>
+          </a:fillRef>
+          <a:effectRef idx="0">
+            <a:schemeClr val="accent1"/>
+          </a:effectRef>
+          <a:fontRef idx="minor">
+            <a:schemeClr val="tx1"/>
+          </a:fontRef>
+        </p:style>
+      </p:cxnSp>
+      <p:sp>
+        <p:nvSpPr>
+          <p:cNvPr id="14" name="TextBox 13"/>
+          <p:cNvSpPr txBox="1"/>
+          <p:nvPr/>
+        </p:nvSpPr>
+        <p:spPr>
+          <a:xfrm>
+            <a:off x="4802294" y="4488508"/>
+            <a:ext cx="2744982" cy="1061829"/>
+          </a:xfrm>
+          <a:prstGeom prst="rect">
+            <a:avLst/>
+          </a:prstGeom>
+          <a:noFill/>
+        </p:spPr>
+        <p:txBody>
+          <a:bodyPr wrap="none" rtlCol="0">
+            <a:spAutoFit/>
+          </a:bodyPr>
+          <a:lstStyle/>
+          <a:p>
+            <a:pPr>
+              <a:lnSpc>
+                <a:spcPct val="150000"/>
+              </a:lnSpc>
+            </a:pPr>
+            <a:r>
+              <a:rPr lang="ko-KR" altLang="en-US" sz="1400" dirty="0" smtClean="0"/>
+              <a:t>옆 모양대로 만들었습니다</a:t>
+            </a:r>
+            <a:r>
+              <a:rPr lang="en-US" altLang="ko-KR" sz="1400" dirty="0" smtClean="0"/>
+              <a:t>.</a:t>
+            </a:r>
+          </a:p>
+          <a:p>
+            <a:pPr>
+              <a:lnSpc>
+                <a:spcPct val="150000"/>
+              </a:lnSpc>
+            </a:pPr>
+            <a:r>
+              <a:rPr lang="en-US" altLang="ko-KR" sz="1400" dirty="0" smtClean="0"/>
+              <a:t>items-gasStation</a:t>
+            </a:r>
+            <a:r>
+              <a:rPr lang="ko-KR" altLang="en-US" sz="1400" dirty="0" smtClean="0"/>
+              <a:t>에만 클래스가 </a:t>
+            </a:r>
+            <a:endParaRPr lang="en-US" altLang="ko-KR" sz="1400" dirty="0" smtClean="0"/>
+          </a:p>
+          <a:p>
+            <a:pPr>
+              <a:lnSpc>
+                <a:spcPct val="150000"/>
+              </a:lnSpc>
+            </a:pPr>
+            <a:r>
+              <a:rPr lang="ko-KR" altLang="en-US" sz="1400" dirty="0" smtClean="0"/>
+              <a:t>들어가 있습니다</a:t>
+            </a:r>
+            <a:r>
+              <a:rPr lang="en-US" altLang="ko-KR" sz="1400" dirty="0" smtClean="0"/>
+              <a:t>.</a:t>
+            </a:r>
+          </a:p>
+        </p:txBody>
+      </p:sp>
+      <p:pic>
+        <p:nvPicPr>
+          <p:cNvPr id="15" name="그림 14"/>
+          <p:cNvPicPr>
+            <a:picLocks noChangeAspect="1"/>
+          </p:cNvPicPr>
+          <p:nvPr/>
+        </p:nvPicPr>
+        <p:blipFill>
+          <a:blip r:embed="rId4"/>
+          <a:stretch>
+            <a:fillRect/>
+          </a:stretch>
+        </p:blipFill>
+        <p:spPr>
+          <a:xfrm>
+            <a:off x="8078359" y="4104896"/>
+            <a:ext cx="2667372" cy="1829055"/>
+          </a:xfrm>
+          <a:prstGeom prst="rect">
+            <a:avLst/>
+          </a:prstGeom>
+        </p:spPr>
+      </p:pic>
+      <p:cxnSp>
+        <p:nvCxnSpPr>
+          <p:cNvPr id="17" name="직선 연결선 16"/>
+          <p:cNvCxnSpPr/>
+          <p:nvPr/>
+        </p:nvCxnSpPr>
+        <p:spPr>
+          <a:xfrm>
+            <a:off x="8861711" y="4318000"/>
+            <a:ext cx="1066800" cy="0"/>
           </a:xfrm>
           <a:prstGeom prst="line">
             <a:avLst/>
@@ -3159,74 +3315,52 @@
       </p:cxnSp>
       <p:sp>
         <p:nvSpPr>
-          <p:cNvPr id="7" name="TextBox 6"/>
-          <p:cNvSpPr txBox="1"/>
-          <p:nvPr/>
-        </p:nvSpPr>
-        <p:spPr>
-          <a:xfrm>
-            <a:off x="4971230" y="5231849"/>
-            <a:ext cx="2347117" cy="415498"/>
+          <p:cNvPr id="18" name="직사각형 17"/>
+          <p:cNvSpPr/>
+          <p:nvPr/>
+        </p:nvSpPr>
+        <p:spPr>
+          <a:xfrm>
+            <a:off x="0" y="6510867"/>
+            <a:ext cx="12192000" cy="347133"/>
           </a:xfrm>
           <a:prstGeom prst="rect">
             <a:avLst/>
           </a:prstGeom>
-          <a:noFill/>
-        </p:spPr>
-        <p:txBody>
-          <a:bodyPr wrap="none" rtlCol="0">
-            <a:spAutoFit/>
-          </a:bodyPr>
-          <a:lstStyle/>
-          <a:p>
-            <a:pPr>
-              <a:lnSpc>
-                <a:spcPct val="150000"/>
-              </a:lnSpc>
-            </a:pPr>
-            <a:r>
-              <a:rPr lang="en-US" altLang="ko-KR" sz="1400" dirty="0" smtClean="0"/>
-              <a:t>infomation2 </a:t>
-            </a:r>
-            <a:r>
-              <a:rPr lang="ko-KR" altLang="en-US" sz="1400" dirty="0" smtClean="0"/>
-              <a:t>추가했습니다</a:t>
-            </a:r>
-            <a:r>
-              <a:rPr lang="en-US" altLang="ko-KR" sz="1400" dirty="0" smtClean="0"/>
-              <a:t>.</a:t>
-            </a:r>
-          </a:p>
-        </p:txBody>
-      </p:sp>
-      <p:pic>
-        <p:nvPicPr>
-          <p:cNvPr id="8" name="그림 7"/>
-          <p:cNvPicPr>
-            <a:picLocks noChangeAspect="1"/>
-          </p:cNvPicPr>
-          <p:nvPr/>
-        </p:nvPicPr>
-        <p:blipFill>
-          <a:blip r:embed="rId4"/>
-          <a:stretch>
-            <a:fillRect/>
-          </a:stretch>
-        </p:blipFill>
-        <p:spPr>
-          <a:xfrm>
-            <a:off x="4867511" y="1341822"/>
-            <a:ext cx="4201111" cy="2057687"/>
-          </a:xfrm>
-          <a:prstGeom prst="rect">
-            <a:avLst/>
-          </a:prstGeom>
-        </p:spPr>
-      </p:pic>
+        </p:spPr>
+        <p:style>
+          <a:lnRef idx="2">
+            <a:schemeClr val="accent1">
+              <a:shade val="50000"/>
+            </a:schemeClr>
+          </a:lnRef>
+          <a:fillRef idx="1">
+            <a:schemeClr val="accent1"/>
+          </a:fillRef>
+          <a:effectRef idx="0">
+            <a:schemeClr val="accent1"/>
+          </a:effectRef>
+          <a:fontRef idx="minor">
+            <a:schemeClr val="lt1"/>
+          </a:fontRef>
+        </p:style>
+        <p:txBody>
+          <a:bodyPr rtlCol="0" anchor="ctr"/>
+          <a:lstStyle/>
+          <a:p>
+            <a:pPr algn="ctr"/>
+            <a:r>
+              <a:rPr lang="ko-KR" altLang="en-US" smtClean="0"/>
+              <a:t>아래에 계속</a:t>
+            </a:r>
+            <a:endParaRPr lang="ko-KR" altLang="en-US"/>
+          </a:p>
+        </p:txBody>
+      </p:sp>
     </p:spTree>
     <p:extLst>
       <p:ext uri="{BB962C8B-B14F-4D97-AF65-F5344CB8AC3E}">
-        <p14:creationId xmlns:p14="http://schemas.microsoft.com/office/powerpoint/2010/main" val="907495978"/>
+        <p14:creationId xmlns:p14="http://schemas.microsoft.com/office/powerpoint/2010/main" val="292345720"/>
       </p:ext>
     </p:extLst>
   </p:cSld>
@@ -3255,7 +3389,7 @@
       </p:grpSpPr>
       <p:pic>
         <p:nvPicPr>
-          <p:cNvPr id="2" name="그림 1"/>
+          <p:cNvPr id="3" name="그림 2"/>
           <p:cNvPicPr>
             <a:picLocks noChangeAspect="1"/>
           </p:cNvPicPr>
@@ -3269,24 +3403,78 @@
         </p:blipFill>
         <p:spPr>
           <a:xfrm>
-            <a:off x="545145" y="350935"/>
-            <a:ext cx="6106377" cy="6173061"/>
+            <a:off x="305112" y="621922"/>
+            <a:ext cx="3115110" cy="5410955"/>
           </a:xfrm>
           <a:prstGeom prst="rect">
             <a:avLst/>
           </a:prstGeom>
         </p:spPr>
       </p:pic>
-      <p:sp>
-        <p:nvSpPr>
-          <p:cNvPr id="3" name="TextBox 2"/>
+      <p:pic>
+        <p:nvPicPr>
+          <p:cNvPr id="4" name="그림 3"/>
+          <p:cNvPicPr>
+            <a:picLocks noChangeAspect="1"/>
+          </p:cNvPicPr>
+          <p:nvPr/>
+        </p:nvPicPr>
+        <p:blipFill>
+          <a:blip r:embed="rId3"/>
+          <a:stretch>
+            <a:fillRect/>
+          </a:stretch>
+        </p:blipFill>
+        <p:spPr>
+          <a:xfrm>
+            <a:off x="4971230" y="3854357"/>
+            <a:ext cx="3658111" cy="1333686"/>
+          </a:xfrm>
+          <a:prstGeom prst="rect">
+            <a:avLst/>
+          </a:prstGeom>
+        </p:spPr>
+      </p:pic>
+      <p:cxnSp>
+        <p:nvCxnSpPr>
+          <p:cNvPr id="6" name="직선 연결선 5"/>
+          <p:cNvCxnSpPr/>
+          <p:nvPr/>
+        </p:nvCxnSpPr>
+        <p:spPr>
+          <a:xfrm>
+            <a:off x="5833533" y="4038600"/>
+            <a:ext cx="795867" cy="0"/>
+          </a:xfrm>
+          <a:prstGeom prst="line">
+            <a:avLst/>
+          </a:prstGeom>
+        </p:spPr>
+        <p:style>
+          <a:lnRef idx="3">
+            <a:schemeClr val="accent2"/>
+          </a:lnRef>
+          <a:fillRef idx="0">
+            <a:schemeClr val="accent2"/>
+          </a:fillRef>
+          <a:effectRef idx="2">
+            <a:schemeClr val="accent2"/>
+          </a:effectRef>
+          <a:fontRef idx="minor">
+            <a:schemeClr val="tx1"/>
+          </a:fontRef>
+        </p:style>
+      </p:cxnSp>
+      <p:sp>
+        <p:nvSpPr>
+          <p:cNvPr id="7" name="TextBox 6"/>
           <p:cNvSpPr txBox="1"/>
           <p:nvPr/>
         </p:nvSpPr>
         <p:spPr>
           <a:xfrm>
-            <a:off x="7138696" y="2954315"/>
-            <a:ext cx="2683748" cy="415498"/>
+            <a:off x="4971230" y="5231849"/>
+            <a:ext cx="2347117" cy="415498"/>
           </a:xfrm>
           <a:prstGeom prst="rect">
             <a:avLst/>
@@ -3305,12 +3493,12 @@
               </a:lnSpc>
             </a:pPr>
             <a:r>
-              <a:rPr lang="ko-KR" altLang="en-US" sz="1400" dirty="0" err="1" smtClean="0"/>
-              <a:t>박과장님이</a:t>
+              <a:rPr lang="en-US" altLang="ko-KR" sz="1400" dirty="0" smtClean="0"/>
+              <a:t>infomation2 </a:t>
             </a:r>
             <a:r>
               <a:rPr lang="ko-KR" altLang="en-US" sz="1400" dirty="0" smtClean="0"/>
-              <a:t> 해결해 주셨습니다</a:t>
+              <a:t>추가했습니다</a:t>
             </a:r>
             <a:r>
               <a:rPr lang="en-US" altLang="ko-KR" sz="1400" dirty="0" smtClean="0"/>
@@ -3319,10 +3507,34 @@
           </a:p>
         </p:txBody>
       </p:sp>
+      <p:pic>
+        <p:nvPicPr>
+          <p:cNvPr id="8" name="그림 7"/>
+          <p:cNvPicPr>
+            <a:picLocks noChangeAspect="1"/>
+          </p:cNvPicPr>
+          <p:nvPr/>
+        </p:nvPicPr>
+        <p:blipFill>
+          <a:blip r:embed="rId4"/>
+          <a:stretch>
+            <a:fillRect/>
+          </a:stretch>
+        </p:blipFill>
+        <p:spPr>
+          <a:xfrm>
+            <a:off x="4867511" y="1341822"/>
+            <a:ext cx="4201111" cy="2057687"/>
+          </a:xfrm>
+          <a:prstGeom prst="rect">
+            <a:avLst/>
+          </a:prstGeom>
+        </p:spPr>
+      </p:pic>
     </p:spTree>
     <p:extLst>
       <p:ext uri="{BB962C8B-B14F-4D97-AF65-F5344CB8AC3E}">
-        <p14:creationId xmlns:p14="http://schemas.microsoft.com/office/powerpoint/2010/main" val="2135354952"/>
+        <p14:creationId xmlns:p14="http://schemas.microsoft.com/office/powerpoint/2010/main" val="907495978"/>
       </p:ext>
     </p:extLst>
   </p:cSld>
@@ -3365,8 +3577,8 @@
         </p:blipFill>
         <p:spPr>
           <a:xfrm>
-            <a:off x="643466" y="361638"/>
-            <a:ext cx="8957733" cy="4970412"/>
+            <a:off x="545145" y="350935"/>
+            <a:ext cx="6106377" cy="6173061"/>
           </a:xfrm>
           <a:prstGeom prst="rect">
             <a:avLst/>
@@ -3375,52 +3587,50 @@
       </p:pic>
       <p:sp>
         <p:nvSpPr>
-          <p:cNvPr id="3" name="직사각형 2"/>
-          <p:cNvSpPr/>
-          <p:nvPr/>
-        </p:nvSpPr>
-        <p:spPr>
-          <a:xfrm>
-            <a:off x="1786466" y="922867"/>
-            <a:ext cx="8153400" cy="5283200"/>
+          <p:cNvPr id="3" name="TextBox 2"/>
+          <p:cNvSpPr txBox="1"/>
+          <p:nvPr/>
+        </p:nvSpPr>
+        <p:spPr>
+          <a:xfrm>
+            <a:off x="7138696" y="2954315"/>
+            <a:ext cx="2683748" cy="415498"/>
           </a:xfrm>
           <a:prstGeom prst="rect">
             <a:avLst/>
           </a:prstGeom>
-        </p:spPr>
-        <p:style>
-          <a:lnRef idx="2">
-            <a:schemeClr val="accent1">
-              <a:shade val="50000"/>
-            </a:schemeClr>
-          </a:lnRef>
-          <a:fillRef idx="1">
-            <a:schemeClr val="accent1"/>
-          </a:fillRef>
-          <a:effectRef idx="0">
-            <a:schemeClr val="accent1"/>
-          </a:effectRef>
-          <a:fontRef idx="minor">
-            <a:schemeClr val="lt1"/>
-          </a:fontRef>
-        </p:style>
-        <p:txBody>
-          <a:bodyPr rtlCol="0" anchor="ctr"/>
-          <a:lstStyle/>
-          <a:p>
-            <a:pPr algn="ctr"/>
-            <a:r>
-              <a:rPr lang="ko-KR" altLang="en-US" sz="10000" smtClean="0"/>
-              <a:t>보류</a:t>
-            </a:r>
-            <a:endParaRPr lang="ko-KR" altLang="en-US" sz="10000"/>
+          <a:noFill/>
+        </p:spPr>
+        <p:txBody>
+          <a:bodyPr wrap="none" rtlCol="0">
+            <a:spAutoFit/>
+          </a:bodyPr>
+          <a:lstStyle/>
+          <a:p>
+            <a:pPr>
+              <a:lnSpc>
+                <a:spcPct val="150000"/>
+              </a:lnSpc>
+            </a:pPr>
+            <a:r>
+              <a:rPr lang="ko-KR" altLang="en-US" sz="1400" dirty="0" err="1" smtClean="0"/>
+              <a:t>박과장님이</a:t>
+            </a:r>
+            <a:r>
+              <a:rPr lang="ko-KR" altLang="en-US" sz="1400" dirty="0" smtClean="0"/>
+              <a:t> 해결해 주셨습니다</a:t>
+            </a:r>
+            <a:r>
+              <a:rPr lang="en-US" altLang="ko-KR" sz="1400" dirty="0" smtClean="0"/>
+              <a:t>.</a:t>
+            </a:r>
           </a:p>
         </p:txBody>
       </p:sp>
     </p:spTree>
     <p:extLst>
       <p:ext uri="{BB962C8B-B14F-4D97-AF65-F5344CB8AC3E}">
-        <p14:creationId xmlns:p14="http://schemas.microsoft.com/office/powerpoint/2010/main" val="718075000"/>
+        <p14:creationId xmlns:p14="http://schemas.microsoft.com/office/powerpoint/2010/main" val="2135354952"/>
       </p:ext>
     </p:extLst>
   </p:cSld>
@@ -3447,6 +3657,36 @@
           <a:chExt cx="0" cy="0"/>
         </a:xfrm>
       </p:grpSpPr>
+      <p:sp>
+        <p:nvSpPr>
+          <p:cNvPr id="7" name="TextBox 6"/>
+          <p:cNvSpPr txBox="1"/>
+          <p:nvPr/>
+        </p:nvSpPr>
+        <p:spPr>
+          <a:xfrm>
+            <a:off x="368135" y="225631"/>
+            <a:ext cx="1821332" cy="369332"/>
+          </a:xfrm>
+          <a:prstGeom prst="rect">
+            <a:avLst/>
+          </a:prstGeom>
+          <a:noFill/>
+        </p:spPr>
+        <p:txBody>
+          <a:bodyPr wrap="none" rtlCol="0">
+            <a:spAutoFit/>
+          </a:bodyPr>
+          <a:lstStyle/>
+          <a:p>
+            <a:r>
+              <a:rPr lang="en-US" altLang="ko-KR" dirty="0"/>
+              <a:t>UI-SJN-42-001L</a:t>
+            </a:r>
+            <a:endParaRPr lang="ko-KR" altLang="en-US" dirty="0"/>
+          </a:p>
+        </p:txBody>
+      </p:sp>
       <p:pic>
         <p:nvPicPr>
           <p:cNvPr id="2" name="그림 1"/>
@@ -3463,62 +3703,109 @@
         </p:blipFill>
         <p:spPr>
           <a:xfrm>
-            <a:off x="746947" y="406399"/>
-            <a:ext cx="5016708" cy="5441965"/>
+            <a:off x="475519" y="1234282"/>
+            <a:ext cx="4494414" cy="1613903"/>
           </a:xfrm>
           <a:prstGeom prst="rect">
             <a:avLst/>
           </a:prstGeom>
         </p:spPr>
       </p:pic>
-      <p:sp>
-        <p:nvSpPr>
-          <p:cNvPr id="3" name="직사각형 2"/>
-          <p:cNvSpPr/>
-          <p:nvPr/>
-        </p:nvSpPr>
-        <p:spPr>
-          <a:xfrm>
-            <a:off x="1786466" y="922867"/>
-            <a:ext cx="8153400" cy="5283200"/>
+      <p:pic>
+        <p:nvPicPr>
+          <p:cNvPr id="3" name="그림 2"/>
+          <p:cNvPicPr>
+            <a:picLocks noChangeAspect="1"/>
+          </p:cNvPicPr>
+          <p:nvPr/>
+        </p:nvPicPr>
+        <p:blipFill>
+          <a:blip r:embed="rId3"/>
+          <a:stretch>
+            <a:fillRect/>
+          </a:stretch>
+        </p:blipFill>
+        <p:spPr>
+          <a:xfrm>
+            <a:off x="6228536" y="918457"/>
+            <a:ext cx="4086795" cy="2514951"/>
           </a:xfrm>
           <a:prstGeom prst="rect">
             <a:avLst/>
           </a:prstGeom>
         </p:spPr>
+      </p:pic>
+      <p:cxnSp>
+        <p:nvCxnSpPr>
+          <p:cNvPr id="5" name="직선 화살표 연결선 4"/>
+          <p:cNvCxnSpPr/>
+          <p:nvPr/>
+        </p:nvCxnSpPr>
+        <p:spPr>
+          <a:xfrm flipV="1">
+            <a:off x="9779001" y="3285067"/>
+            <a:ext cx="0" cy="905933"/>
+          </a:xfrm>
+          <a:prstGeom prst="straightConnector1">
+            <a:avLst/>
+          </a:prstGeom>
+          <a:ln>
+            <a:tailEnd type="triangle"/>
+          </a:ln>
+        </p:spPr>
         <p:style>
-          <a:lnRef idx="2">
-            <a:schemeClr val="accent1">
-              <a:shade val="50000"/>
-            </a:schemeClr>
+          <a:lnRef idx="1">
+            <a:schemeClr val="accent1"/>
           </a:lnRef>
-          <a:fillRef idx="1">
+          <a:fillRef idx="0">
             <a:schemeClr val="accent1"/>
           </a:fillRef>
           <a:effectRef idx="0">
             <a:schemeClr val="accent1"/>
           </a:effectRef>
           <a:fontRef idx="minor">
-            <a:schemeClr val="lt1"/>
+            <a:schemeClr val="tx1"/>
           </a:fontRef>
         </p:style>
-        <p:txBody>
-          <a:bodyPr rtlCol="0" anchor="ctr"/>
-          <a:lstStyle/>
-          <a:p>
-            <a:pPr algn="ctr"/>
-            <a:r>
-              <a:rPr lang="ko-KR" altLang="en-US" sz="10000" smtClean="0"/>
-              <a:t>보류</a:t>
-            </a:r>
-            <a:endParaRPr lang="ko-KR" altLang="en-US" sz="10000"/>
+      </p:cxnSp>
+      <p:sp>
+        <p:nvSpPr>
+          <p:cNvPr id="6" name="TextBox 5"/>
+          <p:cNvSpPr txBox="1"/>
+          <p:nvPr/>
+        </p:nvSpPr>
+        <p:spPr>
+          <a:xfrm>
+            <a:off x="9128021" y="4334933"/>
+            <a:ext cx="1301959" cy="307777"/>
+          </a:xfrm>
+          <a:prstGeom prst="rect">
+            <a:avLst/>
+          </a:prstGeom>
+          <a:noFill/>
+        </p:spPr>
+        <p:txBody>
+          <a:bodyPr wrap="none" rtlCol="0">
+            <a:spAutoFit/>
+          </a:bodyPr>
+          <a:lstStyle/>
+          <a:p>
+            <a:r>
+              <a:rPr lang="ko-KR" altLang="en-US" sz="1400" dirty="0" smtClean="0"/>
+              <a:t>추가했습니다</a:t>
+            </a:r>
+            <a:r>
+              <a:rPr lang="en-US" altLang="ko-KR" sz="1400" dirty="0" smtClean="0"/>
+              <a:t>.</a:t>
+            </a:r>
+            <a:endParaRPr lang="ko-KR" altLang="en-US" sz="1400" dirty="0"/>
           </a:p>
         </p:txBody>
       </p:sp>
     </p:spTree>
     <p:extLst>
       <p:ext uri="{BB962C8B-B14F-4D97-AF65-F5344CB8AC3E}">
-        <p14:creationId xmlns:p14="http://schemas.microsoft.com/office/powerpoint/2010/main" val="1698545306"/>
+        <p14:creationId xmlns:p14="http://schemas.microsoft.com/office/powerpoint/2010/main" val="4015376948"/>
       </p:ext>
     </p:extLst>
   </p:cSld>
@@ -4648,58 +4935,325 @@
           <a:chExt cx="0" cy="0"/>
         </a:xfrm>
       </p:grpSpPr>
-      <p:sp>
-        <p:nvSpPr>
-          <p:cNvPr id="2" name="직사각형 1"/>
-          <p:cNvSpPr/>
-          <p:nvPr/>
-        </p:nvSpPr>
-        <p:spPr>
-          <a:xfrm>
-            <a:off x="0" y="0"/>
-            <a:ext cx="12192000" cy="6858000"/>
+      <p:pic>
+        <p:nvPicPr>
+          <p:cNvPr id="4" name="그림 3"/>
+          <p:cNvPicPr>
+            <a:picLocks noChangeAspect="1"/>
+          </p:cNvPicPr>
+          <p:nvPr/>
+        </p:nvPicPr>
+        <p:blipFill>
+          <a:blip r:embed="rId2"/>
+          <a:stretch>
+            <a:fillRect/>
+          </a:stretch>
+        </p:blipFill>
+        <p:spPr>
+          <a:xfrm>
+            <a:off x="688135" y="1577348"/>
+            <a:ext cx="4448796" cy="1400370"/>
           </a:xfrm>
           <a:prstGeom prst="rect">
             <a:avLst/>
           </a:prstGeom>
         </p:spPr>
+      </p:pic>
+      <p:sp>
+        <p:nvSpPr>
+          <p:cNvPr id="5" name="TextBox 4"/>
+          <p:cNvSpPr txBox="1"/>
+          <p:nvPr/>
+        </p:nvSpPr>
+        <p:spPr>
+          <a:xfrm>
+            <a:off x="6495230" y="2736991"/>
+            <a:ext cx="4553875" cy="507831"/>
+          </a:xfrm>
+          <a:prstGeom prst="rect">
+            <a:avLst/>
+          </a:prstGeom>
+          <a:noFill/>
+        </p:spPr>
+        <p:txBody>
+          <a:bodyPr wrap="none" rtlCol="0">
+            <a:spAutoFit/>
+          </a:bodyPr>
+          <a:lstStyle/>
+          <a:p>
+            <a:pPr>
+              <a:lnSpc>
+                <a:spcPct val="150000"/>
+              </a:lnSpc>
+            </a:pPr>
+            <a:r>
+              <a:rPr lang="en-US" altLang="ko-KR" dirty="0" smtClean="0"/>
+              <a:t>transform: translateX(0px) </a:t>
+            </a:r>
+            <a:r>
+              <a:rPr lang="ko-KR" altLang="en-US" sz="1400" dirty="0" smtClean="0"/>
+              <a:t> 여기에 넣어주세요</a:t>
+            </a:r>
+            <a:r>
+              <a:rPr lang="en-US" altLang="ko-KR" sz="1400" dirty="0" smtClean="0"/>
+              <a:t>.</a:t>
+            </a:r>
+            <a:endParaRPr lang="en-US" altLang="ko-KR" sz="1400" dirty="0" smtClean="0"/>
+          </a:p>
+        </p:txBody>
+      </p:sp>
+      <p:pic>
+        <p:nvPicPr>
+          <p:cNvPr id="3" name="그림 2"/>
+          <p:cNvPicPr>
+            <a:picLocks noChangeAspect="1"/>
+          </p:cNvPicPr>
+          <p:nvPr/>
+        </p:nvPicPr>
+        <p:blipFill>
+          <a:blip r:embed="rId3"/>
+          <a:stretch>
+            <a:fillRect/>
+          </a:stretch>
+        </p:blipFill>
+        <p:spPr>
+          <a:xfrm>
+            <a:off x="6430162" y="1391637"/>
+            <a:ext cx="3886742" cy="1009791"/>
+          </a:xfrm>
+          <a:prstGeom prst="rect">
+            <a:avLst/>
+          </a:prstGeom>
+        </p:spPr>
+      </p:pic>
+      <p:cxnSp>
+        <p:nvCxnSpPr>
+          <p:cNvPr id="10" name="직선 화살표 연결선 9"/>
+          <p:cNvCxnSpPr/>
+          <p:nvPr/>
+        </p:nvCxnSpPr>
+        <p:spPr>
+          <a:xfrm flipH="1">
+            <a:off x="4275667" y="1905000"/>
+            <a:ext cx="1854200" cy="50800"/>
+          </a:xfrm>
+          <a:prstGeom prst="straightConnector1">
+            <a:avLst/>
+          </a:prstGeom>
+          <a:ln>
+            <a:tailEnd type="triangle"/>
+          </a:ln>
+        </p:spPr>
         <p:style>
-          <a:lnRef idx="2">
-            <a:schemeClr val="accent1">
-              <a:shade val="50000"/>
-            </a:schemeClr>
+          <a:lnRef idx="1">
+            <a:schemeClr val="accent1"/>
           </a:lnRef>
-          <a:fillRef idx="1">
+          <a:fillRef idx="0">
             <a:schemeClr val="accent1"/>
           </a:fillRef>
           <a:effectRef idx="0">
             <a:schemeClr val="accent1"/>
           </a:effectRef>
           <a:fontRef idx="minor">
-            <a:schemeClr val="lt1"/>
+            <a:schemeClr val="tx1"/>
           </a:fontRef>
         </p:style>
-        <p:txBody>
-          <a:bodyPr rtlCol="0" anchor="ctr"/>
-          <a:lstStyle/>
-          <a:p>
-            <a:pPr algn="ctr"/>
-            <a:r>
-              <a:rPr lang="ko-KR" altLang="en-US" sz="8000" err="1" smtClean="0"/>
-              <a:t>정차장님</a:t>
-            </a:r>
-            <a:r>
-              <a:rPr lang="ko-KR" altLang="en-US" sz="8000" dirty="0" smtClean="0"/>
-              <a:t> 요청사항</a:t>
-            </a:r>
-            <a:endParaRPr lang="ko-KR" altLang="en-US" sz="8000" dirty="0"/>
+      </p:cxnSp>
+      <p:cxnSp>
+        <p:nvCxnSpPr>
+          <p:cNvPr id="12" name="직선 연결선 11"/>
+          <p:cNvCxnSpPr/>
+          <p:nvPr/>
+        </p:nvCxnSpPr>
+        <p:spPr>
+          <a:xfrm>
+            <a:off x="7366000" y="1727200"/>
+            <a:ext cx="821267" cy="0"/>
+          </a:xfrm>
+          <a:prstGeom prst="line">
+            <a:avLst/>
+          </a:prstGeom>
+        </p:spPr>
+        <p:style>
+          <a:lnRef idx="3">
+            <a:schemeClr val="accent2"/>
+          </a:lnRef>
+          <a:fillRef idx="0">
+            <a:schemeClr val="accent2"/>
+          </a:fillRef>
+          <a:effectRef idx="2">
+            <a:schemeClr val="accent2"/>
+          </a:effectRef>
+          <a:fontRef idx="minor">
+            <a:schemeClr val="tx1"/>
+          </a:fontRef>
+        </p:style>
+      </p:cxnSp>
+      <p:cxnSp>
+        <p:nvCxnSpPr>
+          <p:cNvPr id="14" name="직선 화살표 연결선 13"/>
+          <p:cNvCxnSpPr>
+            <a:stCxn id="5" idx="0"/>
+          </p:cNvCxnSpPr>
+          <p:nvPr/>
+        </p:nvCxnSpPr>
+        <p:spPr>
+          <a:xfrm flipH="1" flipV="1">
+            <a:off x="7882471" y="1727201"/>
+            <a:ext cx="889697" cy="1009790"/>
+          </a:xfrm>
+          <a:prstGeom prst="straightConnector1">
+            <a:avLst/>
+          </a:prstGeom>
+          <a:ln>
+            <a:tailEnd type="triangle"/>
+          </a:ln>
+        </p:spPr>
+        <p:style>
+          <a:lnRef idx="1">
+            <a:schemeClr val="accent1"/>
+          </a:lnRef>
+          <a:fillRef idx="0">
+            <a:schemeClr val="accent1"/>
+          </a:fillRef>
+          <a:effectRef idx="0">
+            <a:schemeClr val="accent1"/>
+          </a:effectRef>
+          <a:fontRef idx="minor">
+            <a:schemeClr val="tx1"/>
+          </a:fontRef>
+        </p:style>
+      </p:cxnSp>
+      <p:cxnSp>
+        <p:nvCxnSpPr>
+          <p:cNvPr id="16" name="직선 화살표 연결선 15"/>
+          <p:cNvCxnSpPr/>
+          <p:nvPr/>
+        </p:nvCxnSpPr>
+        <p:spPr>
+          <a:xfrm flipV="1">
+            <a:off x="3081867" y="2736992"/>
+            <a:ext cx="0" cy="962941"/>
+          </a:xfrm>
+          <a:prstGeom prst="straightConnector1">
+            <a:avLst/>
+          </a:prstGeom>
+          <a:ln>
+            <a:tailEnd type="triangle"/>
+          </a:ln>
+        </p:spPr>
+        <p:style>
+          <a:lnRef idx="1">
+            <a:schemeClr val="accent1"/>
+          </a:lnRef>
+          <a:fillRef idx="0">
+            <a:schemeClr val="accent1"/>
+          </a:fillRef>
+          <a:effectRef idx="0">
+            <a:schemeClr val="accent1"/>
+          </a:effectRef>
+          <a:fontRef idx="minor">
+            <a:schemeClr val="tx1"/>
+          </a:fontRef>
+        </p:style>
+      </p:cxnSp>
+      <p:pic>
+        <p:nvPicPr>
+          <p:cNvPr id="17" name="그림 16"/>
+          <p:cNvPicPr>
+            <a:picLocks noChangeAspect="1"/>
+          </p:cNvPicPr>
+          <p:nvPr/>
+        </p:nvPicPr>
+        <p:blipFill>
+          <a:blip r:embed="rId4"/>
+          <a:stretch>
+            <a:fillRect/>
+          </a:stretch>
+        </p:blipFill>
+        <p:spPr>
+          <a:xfrm>
+            <a:off x="983359" y="3896634"/>
+            <a:ext cx="6382641" cy="2734057"/>
+          </a:xfrm>
+          <a:prstGeom prst="rect">
+            <a:avLst/>
+          </a:prstGeom>
+        </p:spPr>
+      </p:pic>
+      <p:cxnSp>
+        <p:nvCxnSpPr>
+          <p:cNvPr id="20" name="직선 연결선 19"/>
+          <p:cNvCxnSpPr/>
+          <p:nvPr/>
+        </p:nvCxnSpPr>
+        <p:spPr>
+          <a:xfrm>
+            <a:off x="1143000" y="4267199"/>
+            <a:ext cx="1938867" cy="0"/>
+          </a:xfrm>
+          <a:prstGeom prst="line">
+            <a:avLst/>
+          </a:prstGeom>
+        </p:spPr>
+        <p:style>
+          <a:lnRef idx="3">
+            <a:schemeClr val="accent2"/>
+          </a:lnRef>
+          <a:fillRef idx="0">
+            <a:schemeClr val="accent2"/>
+          </a:fillRef>
+          <a:effectRef idx="2">
+            <a:schemeClr val="accent2"/>
+          </a:effectRef>
+          <a:fontRef idx="minor">
+            <a:schemeClr val="tx1"/>
+          </a:fontRef>
+        </p:style>
+      </p:cxnSp>
+      <p:sp>
+        <p:nvSpPr>
+          <p:cNvPr id="21" name="TextBox 20"/>
+          <p:cNvSpPr txBox="1"/>
+          <p:nvPr/>
+        </p:nvSpPr>
+        <p:spPr>
+          <a:xfrm>
+            <a:off x="7638125" y="4755831"/>
+            <a:ext cx="2164375" cy="454292"/>
+          </a:xfrm>
+          <a:prstGeom prst="rect">
+            <a:avLst/>
+          </a:prstGeom>
+          <a:noFill/>
+        </p:spPr>
+        <p:txBody>
+          <a:bodyPr wrap="none" rtlCol="0">
+            <a:spAutoFit/>
+          </a:bodyPr>
+          <a:lstStyle/>
+          <a:p>
+            <a:pPr>
+              <a:lnSpc>
+                <a:spcPct val="150000"/>
+              </a:lnSpc>
+            </a:pPr>
+            <a:r>
+              <a:rPr lang="ko-KR" altLang="en-US" dirty="0" smtClean="0"/>
+              <a:t>태그 추가했습니다</a:t>
+            </a:r>
+            <a:r>
+              <a:rPr lang="en-US" altLang="ko-KR" dirty="0" smtClean="0"/>
+              <a:t>.</a:t>
+            </a:r>
+            <a:endParaRPr lang="en-US" altLang="ko-KR" sz="1400" dirty="0" smtClean="0"/>
           </a:p>
         </p:txBody>
       </p:sp>
     </p:spTree>
     <p:extLst>
       <p:ext uri="{BB962C8B-B14F-4D97-AF65-F5344CB8AC3E}">
-        <p14:creationId xmlns:p14="http://schemas.microsoft.com/office/powerpoint/2010/main" val="1095210831"/>
+        <p14:creationId xmlns:p14="http://schemas.microsoft.com/office/powerpoint/2010/main" val="3702657895"/>
       </p:ext>
     </p:extLst>
   </p:cSld>
@@ -4726,420 +5280,58 @@
           <a:chExt cx="0" cy="0"/>
         </a:xfrm>
       </p:grpSpPr>
-      <p:pic>
-        <p:nvPicPr>
-          <p:cNvPr id="2" name="그림 1"/>
-          <p:cNvPicPr>
-            <a:picLocks noChangeAspect="1"/>
-          </p:cNvPicPr>
-          <p:nvPr/>
-        </p:nvPicPr>
-        <p:blipFill>
-          <a:blip r:embed="rId2"/>
-          <a:stretch>
-            <a:fillRect/>
-          </a:stretch>
-        </p:blipFill>
-        <p:spPr>
-          <a:xfrm>
-            <a:off x="7503822" y="690777"/>
-            <a:ext cx="4143953" cy="2743583"/>
+      <p:sp>
+        <p:nvSpPr>
+          <p:cNvPr id="2" name="직사각형 1"/>
+          <p:cNvSpPr/>
+          <p:nvPr/>
+        </p:nvSpPr>
+        <p:spPr>
+          <a:xfrm>
+            <a:off x="0" y="0"/>
+            <a:ext cx="12192000" cy="6858000"/>
           </a:xfrm>
           <a:prstGeom prst="rect">
             <a:avLst/>
           </a:prstGeom>
         </p:spPr>
-      </p:pic>
-      <p:pic>
-        <p:nvPicPr>
-          <p:cNvPr id="4" name="그림 3"/>
-          <p:cNvPicPr>
-            <a:picLocks noChangeAspect="1"/>
-          </p:cNvPicPr>
-          <p:nvPr/>
-        </p:nvPicPr>
-        <p:blipFill>
-          <a:blip r:embed="rId3"/>
-          <a:stretch>
-            <a:fillRect/>
-          </a:stretch>
-        </p:blipFill>
-        <p:spPr>
-          <a:xfrm>
-            <a:off x="0" y="274212"/>
-            <a:ext cx="7015659" cy="3823655"/>
-          </a:xfrm>
-          <a:prstGeom prst="rect">
-            <a:avLst/>
-          </a:prstGeom>
-        </p:spPr>
-      </p:pic>
-      <p:cxnSp>
-        <p:nvCxnSpPr>
-          <p:cNvPr id="9" name="직선 화살표 연결선 8"/>
-          <p:cNvCxnSpPr/>
-          <p:nvPr/>
-        </p:nvCxnSpPr>
-        <p:spPr>
-          <a:xfrm>
-            <a:off x="6646333" y="3290236"/>
-            <a:ext cx="787400" cy="0"/>
-          </a:xfrm>
-          <a:prstGeom prst="straightConnector1">
-            <a:avLst/>
-          </a:prstGeom>
-          <a:ln>
-            <a:tailEnd type="triangle"/>
-          </a:ln>
-        </p:spPr>
         <p:style>
-          <a:lnRef idx="1">
-            <a:schemeClr val="accent1"/>
+          <a:lnRef idx="2">
+            <a:schemeClr val="accent1">
+              <a:shade val="50000"/>
+            </a:schemeClr>
           </a:lnRef>
-          <a:fillRef idx="0">
+          <a:fillRef idx="1">
             <a:schemeClr val="accent1"/>
           </a:fillRef>
           <a:effectRef idx="0">
             <a:schemeClr val="accent1"/>
           </a:effectRef>
           <a:fontRef idx="minor">
-            <a:schemeClr val="tx1"/>
+            <a:schemeClr val="lt1"/>
           </a:fontRef>
         </p:style>
-      </p:cxnSp>
-      <p:sp>
-        <p:nvSpPr>
-          <p:cNvPr id="10" name="TextBox 9"/>
-          <p:cNvSpPr txBox="1"/>
-          <p:nvPr/>
-        </p:nvSpPr>
-        <p:spPr>
-          <a:xfrm>
-            <a:off x="8705427" y="3560109"/>
-            <a:ext cx="1606530" cy="373885"/>
-          </a:xfrm>
-          <a:prstGeom prst="rect">
-            <a:avLst/>
-          </a:prstGeom>
-          <a:noFill/>
-        </p:spPr>
-        <p:txBody>
-          <a:bodyPr wrap="none" rtlCol="0">
-            <a:spAutoFit/>
-          </a:bodyPr>
-          <a:lstStyle/>
-          <a:p>
-            <a:pPr>
-              <a:lnSpc>
-                <a:spcPct val="150000"/>
-              </a:lnSpc>
-            </a:pPr>
-            <a:r>
-              <a:rPr lang="en-US" altLang="ko-KR" sz="1400" dirty="0" smtClean="0"/>
-              <a:t>css </a:t>
-            </a:r>
-            <a:r>
-              <a:rPr lang="ko-KR" altLang="en-US" sz="1400" dirty="0" smtClean="0"/>
-              <a:t>수정했습니다</a:t>
-            </a:r>
-            <a:r>
-              <a:rPr lang="en-US" altLang="ko-KR" sz="1400" dirty="0" smtClean="0"/>
-              <a:t>.</a:t>
-            </a:r>
-            <a:endParaRPr lang="ko-KR" altLang="en-US" sz="1400" dirty="0"/>
-          </a:p>
-        </p:txBody>
-      </p:sp>
-      <p:pic>
-        <p:nvPicPr>
-          <p:cNvPr id="11" name="그림 10"/>
-          <p:cNvPicPr>
-            <a:picLocks noChangeAspect="1"/>
-          </p:cNvPicPr>
-          <p:nvPr/>
-        </p:nvPicPr>
-        <p:blipFill>
-          <a:blip r:embed="rId4"/>
-          <a:stretch>
-            <a:fillRect/>
-          </a:stretch>
-        </p:blipFill>
-        <p:spPr>
-          <a:xfrm>
-            <a:off x="441071" y="5075698"/>
-            <a:ext cx="3639058" cy="990738"/>
-          </a:xfrm>
-          <a:prstGeom prst="rect">
-            <a:avLst/>
-          </a:prstGeom>
-        </p:spPr>
-      </p:pic>
-      <p:sp>
-        <p:nvSpPr>
-          <p:cNvPr id="15" name="TextBox 14"/>
-          <p:cNvSpPr txBox="1"/>
-          <p:nvPr/>
-        </p:nvSpPr>
-        <p:spPr>
-          <a:xfrm>
-            <a:off x="441071" y="6180092"/>
-            <a:ext cx="7370929" cy="415498"/>
-          </a:xfrm>
-          <a:prstGeom prst="rect">
-            <a:avLst/>
-          </a:prstGeom>
-          <a:noFill/>
-        </p:spPr>
-        <p:txBody>
-          <a:bodyPr wrap="none" rtlCol="0">
-            <a:spAutoFit/>
-          </a:bodyPr>
-          <a:lstStyle/>
-          <a:p>
-            <a:pPr>
-              <a:lnSpc>
-                <a:spcPct val="150000"/>
-              </a:lnSpc>
-            </a:pPr>
-            <a:r>
-              <a:rPr lang="ko-KR" altLang="en-US" sz="1400" dirty="0" smtClean="0"/>
-              <a:t>디자인 변경 및 낮음</a:t>
-            </a:r>
-            <a:r>
-              <a:rPr lang="en-US" altLang="ko-KR" sz="1400" dirty="0" smtClean="0"/>
-              <a:t>, </a:t>
-            </a:r>
-            <a:r>
-              <a:rPr lang="ko-KR" altLang="en-US" sz="1400" dirty="0" smtClean="0"/>
-              <a:t>보통</a:t>
-            </a:r>
-            <a:r>
-              <a:rPr lang="en-US" altLang="ko-KR" sz="1400" dirty="0" smtClean="0"/>
-              <a:t>, </a:t>
-            </a:r>
-            <a:r>
-              <a:rPr lang="ko-KR" altLang="en-US" sz="1400" dirty="0" smtClean="0"/>
-              <a:t>높음</a:t>
-            </a:r>
-            <a:r>
-              <a:rPr lang="en-US" altLang="ko-KR" sz="1400" dirty="0" smtClean="0"/>
-              <a:t>, </a:t>
-            </a:r>
-            <a:r>
-              <a:rPr lang="ko-KR" altLang="en-US" sz="1400" dirty="0" err="1" smtClean="0"/>
-              <a:t>매우높음</a:t>
-            </a:r>
-            <a:r>
-              <a:rPr lang="ko-KR" altLang="en-US" sz="1400" dirty="0" smtClean="0"/>
-              <a:t> </a:t>
-            </a:r>
-            <a:r>
-              <a:rPr lang="ko-KR" altLang="en-US" sz="1400" dirty="0" err="1" smtClean="0"/>
-              <a:t>다른곳과</a:t>
-            </a:r>
-            <a:r>
-              <a:rPr lang="ko-KR" altLang="en-US" sz="1400" dirty="0" smtClean="0"/>
-              <a:t> 통일하기위해 </a:t>
-            </a:r>
-            <a:r>
-              <a:rPr lang="ko-KR" altLang="en-US" sz="1400" dirty="0" err="1" smtClean="0"/>
-              <a:t>클래스명</a:t>
-            </a:r>
-            <a:r>
-              <a:rPr lang="ko-KR" altLang="en-US" sz="1400" dirty="0" smtClean="0"/>
-              <a:t> 변경됐습니다</a:t>
-            </a:r>
-            <a:r>
-              <a:rPr lang="en-US" altLang="ko-KR" sz="1400" dirty="0" smtClean="0"/>
-              <a:t>.</a:t>
-            </a:r>
-            <a:endParaRPr lang="ko-KR" altLang="en-US" sz="1400" dirty="0"/>
-          </a:p>
-        </p:txBody>
-      </p:sp>
-      <p:pic>
-        <p:nvPicPr>
-          <p:cNvPr id="16" name="그림 15"/>
-          <p:cNvPicPr>
-            <a:picLocks noChangeAspect="1"/>
-          </p:cNvPicPr>
-          <p:nvPr/>
-        </p:nvPicPr>
-        <p:blipFill>
-          <a:blip r:embed="rId5"/>
-          <a:stretch>
-            <a:fillRect/>
-          </a:stretch>
-        </p:blipFill>
-        <p:spPr>
-          <a:xfrm>
-            <a:off x="441071" y="3379202"/>
-            <a:ext cx="3772426" cy="1362265"/>
-          </a:xfrm>
-          <a:prstGeom prst="rect">
-            <a:avLst/>
-          </a:prstGeom>
-        </p:spPr>
-      </p:pic>
-      <p:cxnSp>
-        <p:nvCxnSpPr>
-          <p:cNvPr id="18" name="직선 화살표 연결선 17"/>
-          <p:cNvCxnSpPr/>
-          <p:nvPr/>
-        </p:nvCxnSpPr>
-        <p:spPr>
-          <a:xfrm flipV="1">
-            <a:off x="1109134" y="4182534"/>
-            <a:ext cx="0" cy="762000"/>
-          </a:xfrm>
-          <a:prstGeom prst="straightConnector1">
-            <a:avLst/>
-          </a:prstGeom>
-          <a:ln>
-            <a:tailEnd type="triangle"/>
-          </a:ln>
-        </p:spPr>
-        <p:style>
-          <a:lnRef idx="1">
-            <a:schemeClr val="accent1"/>
-          </a:lnRef>
-          <a:fillRef idx="0">
-            <a:schemeClr val="accent1"/>
-          </a:fillRef>
-          <a:effectRef idx="0">
-            <a:schemeClr val="accent1"/>
-          </a:effectRef>
-          <a:fontRef idx="minor">
-            <a:schemeClr val="tx1"/>
-          </a:fontRef>
-        </p:style>
-      </p:cxnSp>
-      <p:pic>
-        <p:nvPicPr>
-          <p:cNvPr id="19" name="그림 18"/>
-          <p:cNvPicPr>
-            <a:picLocks noChangeAspect="1"/>
-          </p:cNvPicPr>
-          <p:nvPr/>
-        </p:nvPicPr>
-        <p:blipFill>
-          <a:blip r:embed="rId6"/>
-          <a:stretch>
-            <a:fillRect/>
-          </a:stretch>
-        </p:blipFill>
-        <p:spPr>
-          <a:xfrm>
-            <a:off x="5198505" y="4741467"/>
-            <a:ext cx="2172003" cy="247685"/>
-          </a:xfrm>
-          <a:prstGeom prst="rect">
-            <a:avLst/>
-          </a:prstGeom>
-        </p:spPr>
-      </p:pic>
-      <p:cxnSp>
-        <p:nvCxnSpPr>
-          <p:cNvPr id="21" name="직선 화살표 연결선 20"/>
-          <p:cNvCxnSpPr/>
-          <p:nvPr/>
-        </p:nvCxnSpPr>
-        <p:spPr>
-          <a:xfrm flipH="1" flipV="1">
-            <a:off x="3800104" y="4016358"/>
-            <a:ext cx="1246909" cy="667026"/>
-          </a:xfrm>
-          <a:prstGeom prst="straightConnector1">
-            <a:avLst/>
-          </a:prstGeom>
-          <a:ln>
-            <a:tailEnd type="triangle"/>
-          </a:ln>
-        </p:spPr>
-        <p:style>
-          <a:lnRef idx="1">
-            <a:schemeClr val="accent1"/>
-          </a:lnRef>
-          <a:fillRef idx="0">
-            <a:schemeClr val="accent1"/>
-          </a:fillRef>
-          <a:effectRef idx="0">
-            <a:schemeClr val="accent1"/>
-          </a:effectRef>
-          <a:fontRef idx="minor">
-            <a:schemeClr val="tx1"/>
-          </a:fontRef>
-        </p:style>
-      </p:cxnSp>
-      <p:cxnSp>
-        <p:nvCxnSpPr>
-          <p:cNvPr id="23" name="직선 연결선 22"/>
-          <p:cNvCxnSpPr/>
-          <p:nvPr/>
-        </p:nvCxnSpPr>
-        <p:spPr>
-          <a:xfrm>
-            <a:off x="6691176" y="5056882"/>
-            <a:ext cx="502612" cy="0"/>
-          </a:xfrm>
-          <a:prstGeom prst="line">
-            <a:avLst/>
-          </a:prstGeom>
-        </p:spPr>
-        <p:style>
-          <a:lnRef idx="3">
-            <a:schemeClr val="accent1"/>
-          </a:lnRef>
-          <a:fillRef idx="0">
-            <a:schemeClr val="accent1"/>
-          </a:fillRef>
-          <a:effectRef idx="2">
-            <a:schemeClr val="accent1"/>
-          </a:effectRef>
-          <a:fontRef idx="minor">
-            <a:schemeClr val="tx1"/>
-          </a:fontRef>
-        </p:style>
-      </p:cxnSp>
-      <p:sp>
-        <p:nvSpPr>
-          <p:cNvPr id="24" name="TextBox 23"/>
-          <p:cNvSpPr txBox="1"/>
-          <p:nvPr/>
-        </p:nvSpPr>
-        <p:spPr>
-          <a:xfrm>
-            <a:off x="6691176" y="5127296"/>
-            <a:ext cx="543739" cy="415498"/>
-          </a:xfrm>
-          <a:prstGeom prst="rect">
-            <a:avLst/>
-          </a:prstGeom>
-          <a:noFill/>
-        </p:spPr>
-        <p:txBody>
-          <a:bodyPr wrap="none" rtlCol="0">
-            <a:spAutoFit/>
-          </a:bodyPr>
-          <a:lstStyle/>
-          <a:p>
-            <a:pPr>
-              <a:lnSpc>
-                <a:spcPct val="150000"/>
-              </a:lnSpc>
-            </a:pPr>
-            <a:r>
-              <a:rPr lang="ko-KR" altLang="en-US" sz="1400" smtClean="0"/>
-              <a:t>삭제</a:t>
-            </a:r>
-            <a:endParaRPr lang="ko-KR" altLang="en-US" sz="1400" dirty="0"/>
+        <p:txBody>
+          <a:bodyPr rtlCol="0" anchor="ctr"/>
+          <a:lstStyle/>
+          <a:p>
+            <a:pPr algn="ctr"/>
+            <a:r>
+              <a:rPr lang="ko-KR" altLang="en-US" sz="8000" err="1" smtClean="0"/>
+              <a:t>정차장님</a:t>
+            </a:r>
+            <a:r>
+              <a:rPr lang="ko-KR" altLang="en-US" sz="8000" dirty="0" smtClean="0"/>
+              <a:t> 요청사항</a:t>
+            </a:r>
+            <a:endParaRPr lang="ko-KR" altLang="en-US" sz="8000" dirty="0"/>
           </a:p>
         </p:txBody>
       </p:sp>
     </p:spTree>
     <p:extLst>
       <p:ext uri="{BB962C8B-B14F-4D97-AF65-F5344CB8AC3E}">
-        <p14:creationId xmlns:p14="http://schemas.microsoft.com/office/powerpoint/2010/main" val="1557533278"/>
+        <p14:creationId xmlns:p14="http://schemas.microsoft.com/office/powerpoint/2010/main" val="1095210831"/>
       </p:ext>
     </p:extLst>
   </p:cSld>
@@ -5166,39 +5358,9 @@
           <a:chExt cx="0" cy="0"/>
         </a:xfrm>
       </p:grpSpPr>
-      <p:sp>
-        <p:nvSpPr>
-          <p:cNvPr id="7" name="TextBox 6"/>
-          <p:cNvSpPr txBox="1"/>
-          <p:nvPr/>
-        </p:nvSpPr>
-        <p:spPr>
-          <a:xfrm>
-            <a:off x="368135" y="225631"/>
-            <a:ext cx="1821332" cy="369332"/>
-          </a:xfrm>
-          <a:prstGeom prst="rect">
-            <a:avLst/>
-          </a:prstGeom>
-          <a:noFill/>
-        </p:spPr>
-        <p:txBody>
-          <a:bodyPr wrap="none" rtlCol="0">
-            <a:spAutoFit/>
-          </a:bodyPr>
-          <a:lstStyle/>
-          <a:p>
-            <a:r>
-              <a:rPr lang="en-US" altLang="ko-KR" dirty="0"/>
-              <a:t>UI-SJN-30-006L</a:t>
-            </a:r>
-            <a:endParaRPr lang="ko-KR" altLang="en-US" dirty="0"/>
-          </a:p>
-        </p:txBody>
-      </p:sp>
       <p:pic>
         <p:nvPicPr>
-          <p:cNvPr id="8" name="그림 7"/>
+          <p:cNvPr id="2" name="그림 1"/>
           <p:cNvPicPr>
             <a:picLocks noChangeAspect="1"/>
           </p:cNvPicPr>
@@ -5212,8 +5374,8 @@
         </p:blipFill>
         <p:spPr>
           <a:xfrm>
-            <a:off x="296306" y="4104896"/>
-            <a:ext cx="4134427" cy="1886213"/>
+            <a:off x="7503822" y="690777"/>
+            <a:ext cx="4143953" cy="2743583"/>
           </a:xfrm>
           <a:prstGeom prst="rect">
             <a:avLst/>
@@ -5222,7 +5384,7 @@
       </p:pic>
       <p:pic>
         <p:nvPicPr>
-          <p:cNvPr id="11" name="그림 10"/>
+          <p:cNvPr id="4" name="그림 3"/>
           <p:cNvPicPr>
             <a:picLocks noChangeAspect="1"/>
           </p:cNvPicPr>
@@ -5236,8 +5398,8 @@
         </p:blipFill>
         <p:spPr>
           <a:xfrm>
-            <a:off x="220133" y="866861"/>
-            <a:ext cx="7239000" cy="2325688"/>
+            <a:off x="0" y="274212"/>
+            <a:ext cx="7015659" cy="3823655"/>
           </a:xfrm>
           <a:prstGeom prst="rect">
             <a:avLst/>
@@ -5246,14 +5408,14 @@
       </p:pic>
       <p:cxnSp>
         <p:nvCxnSpPr>
-          <p:cNvPr id="13" name="직선 화살표 연결선 12"/>
+          <p:cNvPr id="9" name="직선 화살표 연결선 8"/>
           <p:cNvCxnSpPr/>
           <p:nvPr/>
         </p:nvCxnSpPr>
         <p:spPr>
           <a:xfrm>
-            <a:off x="2065867" y="3464447"/>
-            <a:ext cx="0" cy="531820"/>
+            <a:off x="6646333" y="3290236"/>
+            <a:ext cx="787400" cy="0"/>
           </a:xfrm>
           <a:prstGeom prst="straightConnector1">
             <a:avLst/>
@@ -5279,14 +5441,14 @@
       </p:cxnSp>
       <p:sp>
         <p:nvSpPr>
-          <p:cNvPr id="14" name="TextBox 13"/>
+          <p:cNvPr id="10" name="TextBox 9"/>
           <p:cNvSpPr txBox="1"/>
           <p:nvPr/>
         </p:nvSpPr>
         <p:spPr>
           <a:xfrm>
-            <a:off x="4802294" y="4488508"/>
-            <a:ext cx="2744982" cy="1061829"/>
+            <a:off x="8705427" y="3560109"/>
+            <a:ext cx="1606530" cy="373885"/>
           </a:xfrm>
           <a:prstGeom prst="rect">
             <a:avLst/>
@@ -5305,50 +5467,24 @@
               </a:lnSpc>
             </a:pPr>
             <a:r>
+              <a:rPr lang="en-US" altLang="ko-KR" sz="1400" dirty="0" smtClean="0"/>
+              <a:t>css </a:t>
+            </a:r>
+            <a:r>
               <a:rPr lang="ko-KR" altLang="en-US" sz="1400" dirty="0" smtClean="0"/>
-              <a:t>옆 모양대로 만들었습니다</a:t>
+              <a:t>수정했습니다</a:t>
             </a:r>
             <a:r>
               <a:rPr lang="en-US" altLang="ko-KR" sz="1400" dirty="0" smtClean="0"/>
               <a:t>.</a:t>
             </a:r>
-          </a:p>
-          <a:p>
-            <a:pPr>
-              <a:lnSpc>
-                <a:spcPct val="150000"/>
-              </a:lnSpc>
-            </a:pPr>
-            <a:r>
-              <a:rPr lang="en-US" altLang="ko-KR" sz="1400" dirty="0" smtClean="0"/>
-              <a:t>items-gasStation</a:t>
-            </a:r>
-            <a:r>
-              <a:rPr lang="ko-KR" altLang="en-US" sz="1400" dirty="0" smtClean="0"/>
-              <a:t>에만 클래스가 </a:t>
-            </a:r>
-            <a:endParaRPr lang="en-US" altLang="ko-KR" sz="1400" dirty="0" smtClean="0"/>
-          </a:p>
-          <a:p>
-            <a:pPr>
-              <a:lnSpc>
-                <a:spcPct val="150000"/>
-              </a:lnSpc>
-            </a:pPr>
-            <a:r>
-              <a:rPr lang="ko-KR" altLang="en-US" sz="1400" dirty="0" smtClean="0"/>
-              <a:t>들어가 있습니다</a:t>
-            </a:r>
-            <a:r>
-              <a:rPr lang="en-US" altLang="ko-KR" sz="1400" dirty="0" smtClean="0"/>
-              <a:t>.</a:t>
-            </a:r>
+            <a:endParaRPr lang="ko-KR" altLang="en-US" sz="1400" dirty="0"/>
           </a:p>
         </p:txBody>
       </p:sp>
       <p:pic>
         <p:nvPicPr>
-          <p:cNvPr id="15" name="그림 14"/>
+          <p:cNvPr id="11" name="그림 10"/>
           <p:cNvPicPr>
             <a:picLocks noChangeAspect="1"/>
           </p:cNvPicPr>
@@ -5362,8 +5498,115 @@
         </p:blipFill>
         <p:spPr>
           <a:xfrm>
-            <a:off x="8078359" y="4104896"/>
-            <a:ext cx="2667372" cy="1829055"/>
+            <a:off x="441071" y="5075698"/>
+            <a:ext cx="3639058" cy="990738"/>
+          </a:xfrm>
+          <a:prstGeom prst="rect">
+            <a:avLst/>
+          </a:prstGeom>
+        </p:spPr>
+      </p:pic>
+      <p:sp>
+        <p:nvSpPr>
+          <p:cNvPr id="15" name="TextBox 14"/>
+          <p:cNvSpPr txBox="1"/>
+          <p:nvPr/>
+        </p:nvSpPr>
+        <p:spPr>
+          <a:xfrm>
+            <a:off x="441071" y="6180092"/>
+            <a:ext cx="7370929" cy="415498"/>
+          </a:xfrm>
+          <a:prstGeom prst="rect">
+            <a:avLst/>
+          </a:prstGeom>
+          <a:noFill/>
+        </p:spPr>
+        <p:txBody>
+          <a:bodyPr wrap="none" rtlCol="0">
+            <a:spAutoFit/>
+          </a:bodyPr>
+          <a:lstStyle/>
+          <a:p>
+            <a:pPr>
+              <a:lnSpc>
+                <a:spcPct val="150000"/>
+              </a:lnSpc>
+            </a:pPr>
+            <a:r>
+              <a:rPr lang="ko-KR" altLang="en-US" sz="1400" dirty="0" smtClean="0"/>
+              <a:t>디자인 변경 및 낮음</a:t>
+            </a:r>
+            <a:r>
+              <a:rPr lang="en-US" altLang="ko-KR" sz="1400" dirty="0" smtClean="0"/>
+              <a:t>, </a:t>
+            </a:r>
+            <a:r>
+              <a:rPr lang="ko-KR" altLang="en-US" sz="1400" dirty="0" smtClean="0"/>
+              <a:t>보통</a:t>
+            </a:r>
+            <a:r>
+              <a:rPr lang="en-US" altLang="ko-KR" sz="1400" dirty="0" smtClean="0"/>
+              <a:t>, </a:t>
+            </a:r>
+            <a:r>
+              <a:rPr lang="ko-KR" altLang="en-US" sz="1400" dirty="0" smtClean="0"/>
+              <a:t>높음</a:t>
+            </a:r>
+            <a:r>
+              <a:rPr lang="en-US" altLang="ko-KR" sz="1400" dirty="0" smtClean="0"/>
+              <a:t>, </a:t>
+            </a:r>
+            <a:r>
+              <a:rPr lang="ko-KR" altLang="en-US" sz="1400" dirty="0" err="1" smtClean="0"/>
+              <a:t>매우높음</a:t>
+            </a:r>
+            <a:r>
+              <a:rPr lang="ko-KR" altLang="en-US" sz="1400" dirty="0" smtClean="0"/>
+              <a:t> </a:t>
+            </a:r>
+            <a:r>
+              <a:rPr lang="ko-KR" altLang="en-US" sz="1400" dirty="0" err="1" smtClean="0"/>
+              <a:t>다른곳과</a:t>
+            </a:r>
+            <a:r>
+              <a:rPr lang="ko-KR" altLang="en-US" sz="1400" dirty="0" smtClean="0"/>
+              <a:t> 통일하기위해 </a:t>
+            </a:r>
+            <a:r>
+              <a:rPr lang="ko-KR" altLang="en-US" sz="1400" dirty="0" err="1" smtClean="0"/>
+              <a:t>클래스명</a:t>
+            </a:r>
+            <a:r>
+              <a:rPr lang="ko-KR" altLang="en-US" sz="1400" dirty="0" smtClean="0"/>
+              <a:t> 변경됐습니다</a:t>
+            </a:r>
+            <a:r>
+              <a:rPr lang="en-US" altLang="ko-KR" sz="1400" dirty="0" smtClean="0"/>
+              <a:t>.</a:t>
+            </a:r>
+            <a:endParaRPr lang="ko-KR" altLang="en-US" sz="1400" dirty="0"/>
+          </a:p>
+        </p:txBody>
+      </p:sp>
+      <p:pic>
+        <p:nvPicPr>
+          <p:cNvPr id="16" name="그림 15"/>
+          <p:cNvPicPr>
+            <a:picLocks noChangeAspect="1"/>
+          </p:cNvPicPr>
+          <p:nvPr/>
+        </p:nvPicPr>
+        <p:blipFill>
+          <a:blip r:embed="rId5"/>
+          <a:stretch>
+            <a:fillRect/>
+          </a:stretch>
+        </p:blipFill>
+        <p:spPr>
+          <a:xfrm>
+            <a:off x="441071" y="3379202"/>
+            <a:ext cx="3772426" cy="1362265"/>
           </a:xfrm>
           <a:prstGeom prst="rect">
             <a:avLst/>
@@ -5372,82 +5615,163 @@
       </p:pic>
       <p:cxnSp>
         <p:nvCxnSpPr>
-          <p:cNvPr id="17" name="직선 연결선 16"/>
+          <p:cNvPr id="18" name="직선 화살표 연결선 17"/>
           <p:cNvCxnSpPr/>
           <p:nvPr/>
         </p:nvCxnSpPr>
         <p:spPr>
-          <a:xfrm>
-            <a:off x="8861711" y="4318000"/>
-            <a:ext cx="1066800" cy="0"/>
-          </a:xfrm>
-          <a:prstGeom prst="line">
-            <a:avLst/>
-          </a:prstGeom>
+          <a:xfrm flipV="1">
+            <a:off x="1109134" y="4182534"/>
+            <a:ext cx="0" cy="762000"/>
+          </a:xfrm>
+          <a:prstGeom prst="straightConnector1">
+            <a:avLst/>
+          </a:prstGeom>
+          <a:ln>
+            <a:tailEnd type="triangle"/>
+          </a:ln>
         </p:spPr>
         <p:style>
-          <a:lnRef idx="3">
-            <a:schemeClr val="accent2"/>
+          <a:lnRef idx="1">
+            <a:schemeClr val="accent1"/>
           </a:lnRef>
           <a:fillRef idx="0">
-            <a:schemeClr val="accent2"/>
+            <a:schemeClr val="accent1"/>
           </a:fillRef>
-          <a:effectRef idx="2">
-            <a:schemeClr val="accent2"/>
+          <a:effectRef idx="0">
+            <a:schemeClr val="accent1"/>
           </a:effectRef>
           <a:fontRef idx="minor">
             <a:schemeClr val="tx1"/>
           </a:fontRef>
         </p:style>
       </p:cxnSp>
-      <p:sp>
-        <p:nvSpPr>
-          <p:cNvPr id="18" name="직사각형 17"/>
-          <p:cNvSpPr/>
-          <p:nvPr/>
-        </p:nvSpPr>
-        <p:spPr>
-          <a:xfrm>
-            <a:off x="0" y="6510867"/>
-            <a:ext cx="12192000" cy="347133"/>
+      <p:pic>
+        <p:nvPicPr>
+          <p:cNvPr id="19" name="그림 18"/>
+          <p:cNvPicPr>
+            <a:picLocks noChangeAspect="1"/>
+          </p:cNvPicPr>
+          <p:nvPr/>
+        </p:nvPicPr>
+        <p:blipFill>
+          <a:blip r:embed="rId6"/>
+          <a:stretch>
+            <a:fillRect/>
+          </a:stretch>
+        </p:blipFill>
+        <p:spPr>
+          <a:xfrm>
+            <a:off x="5198505" y="4741467"/>
+            <a:ext cx="2172003" cy="247685"/>
           </a:xfrm>
           <a:prstGeom prst="rect">
             <a:avLst/>
           </a:prstGeom>
         </p:spPr>
+      </p:pic>
+      <p:cxnSp>
+        <p:nvCxnSpPr>
+          <p:cNvPr id="21" name="직선 화살표 연결선 20"/>
+          <p:cNvCxnSpPr/>
+          <p:nvPr/>
+        </p:nvCxnSpPr>
+        <p:spPr>
+          <a:xfrm flipH="1" flipV="1">
+            <a:off x="3800104" y="4016358"/>
+            <a:ext cx="1246909" cy="667026"/>
+          </a:xfrm>
+          <a:prstGeom prst="straightConnector1">
+            <a:avLst/>
+          </a:prstGeom>
+          <a:ln>
+            <a:tailEnd type="triangle"/>
+          </a:ln>
+        </p:spPr>
         <p:style>
-          <a:lnRef idx="2">
-            <a:schemeClr val="accent1">
-              <a:shade val="50000"/>
-            </a:schemeClr>
+          <a:lnRef idx="1">
+            <a:schemeClr val="accent1"/>
           </a:lnRef>
-          <a:fillRef idx="1">
+          <a:fillRef idx="0">
             <a:schemeClr val="accent1"/>
           </a:fillRef>
           <a:effectRef idx="0">
             <a:schemeClr val="accent1"/>
           </a:effectRef>
           <a:fontRef idx="minor">
-            <a:schemeClr val="lt1"/>
+            <a:schemeClr val="tx1"/>
           </a:fontRef>
         </p:style>
-        <p:txBody>
-          <a:bodyPr rtlCol="0" anchor="ctr"/>
-          <a:lstStyle/>
-          <a:p>
-            <a:pPr algn="ctr"/>
-            <a:r>
-              <a:rPr lang="ko-KR" altLang="en-US" smtClean="0"/>
-              <a:t>아래에 계속</a:t>
-            </a:r>
-            <a:endParaRPr lang="ko-KR" altLang="en-US"/>
+      </p:cxnSp>
+      <p:cxnSp>
+        <p:nvCxnSpPr>
+          <p:cNvPr id="23" name="직선 연결선 22"/>
+          <p:cNvCxnSpPr/>
+          <p:nvPr/>
+        </p:nvCxnSpPr>
+        <p:spPr>
+          <a:xfrm>
+            <a:off x="6691176" y="5056882"/>
+            <a:ext cx="502612" cy="0"/>
+          </a:xfrm>
+          <a:prstGeom prst="line">
+            <a:avLst/>
+          </a:prstGeom>
+        </p:spPr>
+        <p:style>
+          <a:lnRef idx="3">
+            <a:schemeClr val="accent1"/>
+          </a:lnRef>
+          <a:fillRef idx="0">
+            <a:schemeClr val="accent1"/>
+          </a:fillRef>
+          <a:effectRef idx="2">
+            <a:schemeClr val="accent1"/>
+          </a:effectRef>
+          <a:fontRef idx="minor">
+            <a:schemeClr val="tx1"/>
+          </a:fontRef>
+        </p:style>
+      </p:cxnSp>
+      <p:sp>
+        <p:nvSpPr>
+          <p:cNvPr id="24" name="TextBox 23"/>
+          <p:cNvSpPr txBox="1"/>
+          <p:nvPr/>
+        </p:nvSpPr>
+        <p:spPr>
+          <a:xfrm>
+            <a:off x="6691176" y="5127296"/>
+            <a:ext cx="543739" cy="415498"/>
+          </a:xfrm>
+          <a:prstGeom prst="rect">
+            <a:avLst/>
+          </a:prstGeom>
+          <a:noFill/>
+        </p:spPr>
+        <p:txBody>
+          <a:bodyPr wrap="none" rtlCol="0">
+            <a:spAutoFit/>
+          </a:bodyPr>
+          <a:lstStyle/>
+          <a:p>
+            <a:pPr>
+              <a:lnSpc>
+                <a:spcPct val="150000"/>
+              </a:lnSpc>
+            </a:pPr>
+            <a:r>
+              <a:rPr lang="ko-KR" altLang="en-US" sz="1400" smtClean="0"/>
+              <a:t>삭제</a:t>
+            </a:r>
+            <a:endParaRPr lang="ko-KR" altLang="en-US" sz="1400" dirty="0"/>
           </a:p>
         </p:txBody>
       </p:sp>
     </p:spTree>
     <p:extLst>
       <p:ext uri="{BB962C8B-B14F-4D97-AF65-F5344CB8AC3E}">
-        <p14:creationId xmlns:p14="http://schemas.microsoft.com/office/powerpoint/2010/main" val="292345720"/>
+        <p14:creationId xmlns:p14="http://schemas.microsoft.com/office/powerpoint/2010/main" val="1557533278"/>
       </p:ext>
     </p:extLst>
   </p:cSld>
